--- a/tutorial/T10/tut10.pptx
+++ b/tutorial/T10/tut10.pptx
@@ -131,7 +131,7 @@
 <file path=ppt/revisionInfo.xml><?xml version="1.0" encoding="utf-8"?>
 <p1510:revInfo xmlns:a="http://schemas.openxmlformats.org/drawingml/2006/main" xmlns:r="http://schemas.openxmlformats.org/officeDocument/2006/relationships" xmlns:p1510="http://schemas.microsoft.com/office/powerpoint/2015/10/main">
   <p1510:revLst>
-    <p1510:client id="{6FD17247-E81F-7949-B4C6-FEEA5B59708B}" v="15" dt="2023-11-07T14:09:47.475"/>
+    <p1510:client id="{6FD17247-E81F-7949-B4C6-FEEA5B59708B}" v="17" dt="2023-11-08T06:58:15.200"/>
   </p1510:revLst>
 </p1510:revInfo>
 </file>
@@ -140,13 +140,13 @@
 <pc:chgInfo xmlns:a="http://schemas.openxmlformats.org/drawingml/2006/main" xmlns:r="http://schemas.openxmlformats.org/officeDocument/2006/relationships" xmlns:ac="http://schemas.microsoft.com/office/drawing/2013/main/command" xmlns:pc="http://schemas.microsoft.com/office/powerpoint/2013/main/command">
   <pc:docChgLst>
     <pc:chgData name="DING, Wenlong" userId="2462c282-915a-45d3-817d-b87203e0e2e0" providerId="ADAL" clId="{6FD17247-E81F-7949-B4C6-FEEA5B59708B}"/>
-    <pc:docChg chg="undo custSel addSld modSld sldOrd">
-      <pc:chgData name="DING, Wenlong" userId="2462c282-915a-45d3-817d-b87203e0e2e0" providerId="ADAL" clId="{6FD17247-E81F-7949-B4C6-FEEA5B59708B}" dt="2023-11-07T14:09:55.341" v="1740" actId="1076"/>
+    <pc:docChg chg="undo custSel addSld delSld modSld sldOrd">
+      <pc:chgData name="DING, Wenlong" userId="2462c282-915a-45d3-817d-b87203e0e2e0" providerId="ADAL" clId="{6FD17247-E81F-7949-B4C6-FEEA5B59708B}" dt="2023-11-08T06:59:42.737" v="1839" actId="1076"/>
       <pc:docMkLst>
         <pc:docMk/>
       </pc:docMkLst>
       <pc:sldChg chg="modSp mod">
-        <pc:chgData name="DING, Wenlong" userId="2462c282-915a-45d3-817d-b87203e0e2e0" providerId="ADAL" clId="{6FD17247-E81F-7949-B4C6-FEEA5B59708B}" dt="2023-11-07T12:14:43.175" v="10" actId="20577"/>
+        <pc:chgData name="DING, Wenlong" userId="2462c282-915a-45d3-817d-b87203e0e2e0" providerId="ADAL" clId="{6FD17247-E81F-7949-B4C6-FEEA5B59708B}" dt="2023-11-08T06:35:23.733" v="1744" actId="20577"/>
         <pc:sldMkLst>
           <pc:docMk/>
           <pc:sldMk cId="356419186" sldId="256"/>
@@ -157,6 +157,14 @@
             <pc:docMk/>
             <pc:sldMk cId="356419186" sldId="256"/>
             <ac:spMk id="2" creationId="{37E55C1B-43BC-8B40-A7BE-D3C3F3D8A40E}"/>
+          </ac:spMkLst>
+        </pc:spChg>
+        <pc:spChg chg="mod">
+          <ac:chgData name="DING, Wenlong" userId="2462c282-915a-45d3-817d-b87203e0e2e0" providerId="ADAL" clId="{6FD17247-E81F-7949-B4C6-FEEA5B59708B}" dt="2023-11-08T06:35:23.733" v="1744" actId="20577"/>
+          <ac:spMkLst>
+            <pc:docMk/>
+            <pc:sldMk cId="356419186" sldId="256"/>
+            <ac:spMk id="3" creationId="{6CEAD46B-2981-B54E-B7BD-5B165BCFE3E7}"/>
           </ac:spMkLst>
         </pc:spChg>
       </pc:sldChg>
@@ -176,13 +184,21 @@
         </pc:spChg>
       </pc:sldChg>
       <pc:sldChg chg="addSp modSp mod">
-        <pc:chgData name="DING, Wenlong" userId="2462c282-915a-45d3-817d-b87203e0e2e0" providerId="ADAL" clId="{6FD17247-E81F-7949-B4C6-FEEA5B59708B}" dt="2023-11-07T12:37:42.233" v="364" actId="1076"/>
+        <pc:chgData name="DING, Wenlong" userId="2462c282-915a-45d3-817d-b87203e0e2e0" providerId="ADAL" clId="{6FD17247-E81F-7949-B4C6-FEEA5B59708B}" dt="2023-11-08T06:59:42.737" v="1839" actId="1076"/>
         <pc:sldMkLst>
           <pc:docMk/>
           <pc:sldMk cId="2292626886" sldId="293"/>
         </pc:sldMkLst>
         <pc:spChg chg="mod">
-          <ac:chgData name="DING, Wenlong" userId="2462c282-915a-45d3-817d-b87203e0e2e0" providerId="ADAL" clId="{6FD17247-E81F-7949-B4C6-FEEA5B59708B}" dt="2023-11-07T12:37:37.116" v="363" actId="1076"/>
+          <ac:chgData name="DING, Wenlong" userId="2462c282-915a-45d3-817d-b87203e0e2e0" providerId="ADAL" clId="{6FD17247-E81F-7949-B4C6-FEEA5B59708B}" dt="2023-11-08T06:59:07.888" v="1835" actId="1076"/>
+          <ac:spMkLst>
+            <pc:docMk/>
+            <pc:sldMk cId="2292626886" sldId="293"/>
+            <ac:spMk id="2" creationId="{8D7A4BFD-FF2E-4FE5-8458-67338C96BAF4}"/>
+          </ac:spMkLst>
+        </pc:spChg>
+        <pc:spChg chg="mod">
+          <ac:chgData name="DING, Wenlong" userId="2462c282-915a-45d3-817d-b87203e0e2e0" providerId="ADAL" clId="{6FD17247-E81F-7949-B4C6-FEEA5B59708B}" dt="2023-11-08T06:59:05.376" v="1834" actId="1076"/>
           <ac:spMkLst>
             <pc:docMk/>
             <pc:sldMk cId="2292626886" sldId="293"/>
@@ -190,11 +206,19 @@
           </ac:spMkLst>
         </pc:spChg>
         <pc:spChg chg="add mod">
-          <ac:chgData name="DING, Wenlong" userId="2462c282-915a-45d3-817d-b87203e0e2e0" providerId="ADAL" clId="{6FD17247-E81F-7949-B4C6-FEEA5B59708B}" dt="2023-11-07T12:37:42.233" v="364" actId="1076"/>
+          <ac:chgData name="DING, Wenlong" userId="2462c282-915a-45d3-817d-b87203e0e2e0" providerId="ADAL" clId="{6FD17247-E81F-7949-B4C6-FEEA5B59708B}" dt="2023-11-08T06:59:09.691" v="1836" actId="1076"/>
           <ac:spMkLst>
             <pc:docMk/>
             <pc:sldMk cId="2292626886" sldId="293"/>
             <ac:spMk id="4" creationId="{C81EC202-5887-D163-A62A-3C0264C98434}"/>
+          </ac:spMkLst>
+        </pc:spChg>
+        <pc:spChg chg="add mod">
+          <ac:chgData name="DING, Wenlong" userId="2462c282-915a-45d3-817d-b87203e0e2e0" providerId="ADAL" clId="{6FD17247-E81F-7949-B4C6-FEEA5B59708B}" dt="2023-11-08T06:59:42.737" v="1839" actId="1076"/>
+          <ac:spMkLst>
+            <pc:docMk/>
+            <pc:sldMk cId="2292626886" sldId="293"/>
+            <ac:spMk id="5" creationId="{E8F71926-39FF-3A84-7BE0-15AD94B7F033}"/>
           </ac:spMkLst>
         </pc:spChg>
       </pc:sldChg>
@@ -425,6 +449,21 @@
             <ac:picMk id="9" creationId="{2881B423-32A0-70B2-CE11-7B99CD110D7F}"/>
           </ac:picMkLst>
         </pc:picChg>
+      </pc:sldChg>
+      <pc:sldChg chg="modSp add del mod">
+        <pc:chgData name="DING, Wenlong" userId="2462c282-915a-45d3-817d-b87203e0e2e0" providerId="ADAL" clId="{6FD17247-E81F-7949-B4C6-FEEA5B59708B}" dt="2023-11-08T06:57:02.401" v="1754" actId="2696"/>
+        <pc:sldMkLst>
+          <pc:docMk/>
+          <pc:sldMk cId="828139001" sldId="298"/>
+        </pc:sldMkLst>
+        <pc:spChg chg="mod">
+          <ac:chgData name="DING, Wenlong" userId="2462c282-915a-45d3-817d-b87203e0e2e0" providerId="ADAL" clId="{6FD17247-E81F-7949-B4C6-FEEA5B59708B}" dt="2023-11-08T06:56:50.092" v="1753" actId="1076"/>
+          <ac:spMkLst>
+            <pc:docMk/>
+            <pc:sldMk cId="828139001" sldId="298"/>
+            <ac:spMk id="3" creationId="{41C77E84-359B-B990-B568-A3302507241B}"/>
+          </ac:spMkLst>
+        </pc:spChg>
       </pc:sldChg>
     </pc:docChg>
   </pc:docChgLst>
@@ -1395,7 +1434,7 @@
           <a:p>
             <a:fld id="{9265656F-E94E-4266-B808-01646AFF7213}" type="datetimeFigureOut">
               <a:rPr lang="en-US" smtClean="0"/>
-              <a:t>11/7/23</a:t>
+              <a:t>11/8/23</a:t>
             </a:fld>
             <a:endParaRPr lang="en-US"/>
           </a:p>
@@ -1812,7 +1851,7 @@
           <a:p>
             <a:fld id="{2425905D-C0C4-D040-B3F5-79CCA23FA4EB}" type="datetimeFigureOut">
               <a:rPr lang="en-US" smtClean="0"/>
-              <a:t>11/7/23</a:t>
+              <a:t>11/8/23</a:t>
             </a:fld>
             <a:endParaRPr lang="en-US"/>
           </a:p>
@@ -2012,7 +2051,7 @@
           <a:p>
             <a:fld id="{2425905D-C0C4-D040-B3F5-79CCA23FA4EB}" type="datetimeFigureOut">
               <a:rPr lang="en-US" smtClean="0"/>
-              <a:t>11/7/23</a:t>
+              <a:t>11/8/23</a:t>
             </a:fld>
             <a:endParaRPr lang="en-US"/>
           </a:p>
@@ -2222,7 +2261,7 @@
           <a:p>
             <a:fld id="{2425905D-C0C4-D040-B3F5-79CCA23FA4EB}" type="datetimeFigureOut">
               <a:rPr lang="en-US" smtClean="0"/>
-              <a:t>11/7/23</a:t>
+              <a:t>11/8/23</a:t>
             </a:fld>
             <a:endParaRPr lang="en-US"/>
           </a:p>
@@ -2422,7 +2461,7 @@
           <a:p>
             <a:fld id="{2425905D-C0C4-D040-B3F5-79CCA23FA4EB}" type="datetimeFigureOut">
               <a:rPr lang="en-US" smtClean="0"/>
-              <a:t>11/7/23</a:t>
+              <a:t>11/8/23</a:t>
             </a:fld>
             <a:endParaRPr lang="en-US"/>
           </a:p>
@@ -2698,7 +2737,7 @@
           <a:p>
             <a:fld id="{2425905D-C0C4-D040-B3F5-79CCA23FA4EB}" type="datetimeFigureOut">
               <a:rPr lang="en-US" smtClean="0"/>
-              <a:t>11/7/23</a:t>
+              <a:t>11/8/23</a:t>
             </a:fld>
             <a:endParaRPr lang="en-US"/>
           </a:p>
@@ -2966,7 +3005,7 @@
           <a:p>
             <a:fld id="{2425905D-C0C4-D040-B3F5-79CCA23FA4EB}" type="datetimeFigureOut">
               <a:rPr lang="en-US" smtClean="0"/>
-              <a:t>11/7/23</a:t>
+              <a:t>11/8/23</a:t>
             </a:fld>
             <a:endParaRPr lang="en-US"/>
           </a:p>
@@ -3381,7 +3420,7 @@
           <a:p>
             <a:fld id="{2425905D-C0C4-D040-B3F5-79CCA23FA4EB}" type="datetimeFigureOut">
               <a:rPr lang="en-US" smtClean="0"/>
-              <a:t>11/7/23</a:t>
+              <a:t>11/8/23</a:t>
             </a:fld>
             <a:endParaRPr lang="en-US"/>
           </a:p>
@@ -3523,7 +3562,7 @@
           <a:p>
             <a:fld id="{2425905D-C0C4-D040-B3F5-79CCA23FA4EB}" type="datetimeFigureOut">
               <a:rPr lang="en-US" smtClean="0"/>
-              <a:t>11/7/23</a:t>
+              <a:t>11/8/23</a:t>
             </a:fld>
             <a:endParaRPr lang="en-US"/>
           </a:p>
@@ -3636,7 +3675,7 @@
           <a:p>
             <a:fld id="{2425905D-C0C4-D040-B3F5-79CCA23FA4EB}" type="datetimeFigureOut">
               <a:rPr lang="en-US" smtClean="0"/>
-              <a:t>11/7/23</a:t>
+              <a:t>11/8/23</a:t>
             </a:fld>
             <a:endParaRPr lang="en-US"/>
           </a:p>
@@ -3949,7 +3988,7 @@
           <a:p>
             <a:fld id="{2425905D-C0C4-D040-B3F5-79CCA23FA4EB}" type="datetimeFigureOut">
               <a:rPr lang="en-US" smtClean="0"/>
-              <a:t>11/7/23</a:t>
+              <a:t>11/8/23</a:t>
             </a:fld>
             <a:endParaRPr lang="en-US"/>
           </a:p>
@@ -4238,7 +4277,7 @@
           <a:p>
             <a:fld id="{2425905D-C0C4-D040-B3F5-79CCA23FA4EB}" type="datetimeFigureOut">
               <a:rPr lang="en-US" smtClean="0"/>
-              <a:t>11/7/23</a:t>
+              <a:t>11/8/23</a:t>
             </a:fld>
             <a:endParaRPr lang="en-US"/>
           </a:p>
@@ -4481,7 +4520,7 @@
           <a:p>
             <a:fld id="{2425905D-C0C4-D040-B3F5-79CCA23FA4EB}" type="datetimeFigureOut">
               <a:rPr lang="en-US" smtClean="0"/>
-              <a:t>11/7/23</a:t>
+              <a:t>11/8/23</a:t>
             </a:fld>
             <a:endParaRPr lang="en-US"/>
           </a:p>
@@ -4962,13 +5001,14 @@
           <a:lstStyle/>
           <a:p>
             <a:r>
-              <a:rPr lang="en-US" sz="3600" b="1" dirty="0"/>
+              <a:rPr lang="en-US" sz="3600" b="1"/>
               <a:t>Tutorial </a:t>
             </a:r>
             <a:r>
-              <a:rPr lang="en-US" altLang="zh-CN" sz="3600" b="1" dirty="0"/>
-              <a:t>09</a:t>
-            </a:r>
+              <a:rPr lang="en-US" altLang="zh-CN" sz="3600" b="1"/>
+              <a:t>10</a:t>
+            </a:r>
+            <a:endParaRPr lang="en-US" altLang="zh-CN" sz="3600" b="1" dirty="0"/>
           </a:p>
         </p:txBody>
       </p:sp>
@@ -6019,8 +6059,8 @@
         </p:nvSpPr>
         <p:spPr>
           <a:xfrm>
-            <a:off x="838200" y="3531381"/>
-            <a:ext cx="10515600" cy="1325563"/>
+            <a:off x="838200" y="3688711"/>
+            <a:ext cx="10515600" cy="646331"/>
           </a:xfrm>
         </p:spPr>
         <p:txBody>
@@ -6055,7 +6095,7 @@
         </p:nvSpPr>
         <p:spPr>
           <a:xfrm>
-            <a:off x="838200" y="1440656"/>
+            <a:off x="838200" y="1138744"/>
             <a:ext cx="10515600" cy="1325563"/>
           </a:xfrm>
           <a:prstGeom prst="rect">
@@ -6132,7 +6172,7 @@
         </p:nvSpPr>
         <p:spPr>
           <a:xfrm>
-            <a:off x="838200" y="3003453"/>
+            <a:off x="838200" y="2753343"/>
             <a:ext cx="10086986" cy="646331"/>
           </a:xfrm>
           <a:prstGeom prst="rect">
@@ -6167,6 +6207,75 @@
               <a:t> Webpage and this tutorial strictly for implementation.</a:t>
             </a:r>
             <a:endParaRPr kumimoji="1" lang="zh-CN" altLang="en-US" dirty="0"/>
+          </a:p>
+        </p:txBody>
+      </p:sp>
+      <p:sp>
+        <p:nvSpPr>
+          <p:cNvPr id="5" name="标题 1">
+            <a:extLst>
+              <a:ext uri="{FF2B5EF4-FFF2-40B4-BE49-F238E27FC236}">
+                <a16:creationId xmlns:a16="http://schemas.microsoft.com/office/drawing/2014/main" id="{E8F71926-39FF-3A84-7BE0-15AD94B7F033}"/>
+              </a:ext>
+            </a:extLst>
+          </p:cNvPr>
+          <p:cNvSpPr txBox="1">
+            <a:spLocks/>
+          </p:cNvSpPr>
+          <p:nvPr/>
+        </p:nvSpPr>
+        <p:spPr>
+          <a:xfrm>
+            <a:off x="623893" y="4782879"/>
+            <a:ext cx="10515600" cy="646331"/>
+          </a:xfrm>
+          <a:prstGeom prst="rect">
+            <a:avLst/>
+          </a:prstGeom>
+        </p:spPr>
+        <p:txBody>
+          <a:bodyPr vert="horz" lIns="91440" tIns="45720" rIns="91440" bIns="45720" rtlCol="0" anchor="ctr">
+            <a:normAutofit/>
+          </a:bodyPr>
+          <a:lstStyle>
+            <a:lvl1pPr algn="l" defTabSz="914400" rtl="0" eaLnBrk="1" latinLnBrk="0" hangingPunct="1">
+              <a:lnSpc>
+                <a:spcPct val="90000"/>
+              </a:lnSpc>
+              <a:spcBef>
+                <a:spcPct val="0"/>
+              </a:spcBef>
+              <a:buNone/>
+              <a:defRPr sz="4400" kern="1200">
+                <a:solidFill>
+                  <a:schemeClr val="tx1"/>
+                </a:solidFill>
+                <a:latin typeface="+mj-lt"/>
+                <a:ea typeface="+mj-ea"/>
+                <a:cs typeface="+mj-cs"/>
+              </a:defRPr>
+            </a:lvl1pPr>
+          </a:lstStyle>
+          <a:p>
+            <a:pPr algn="ctr"/>
+            <a:r>
+              <a:rPr lang="en-US" sz="3200" dirty="0">
+                <a:latin typeface="+mn-lt"/>
+              </a:rPr>
+              <a:t>Quiz: Please Specify your SID and name in </a:t>
+            </a:r>
+            <a:r>
+              <a:rPr lang="en-US" sz="3200" dirty="0" err="1">
+                <a:latin typeface="+mn-lt"/>
+              </a:rPr>
+              <a:t>uReply</a:t>
+            </a:r>
+            <a:r>
+              <a:rPr lang="en-US" sz="3200" dirty="0">
+                <a:latin typeface="+mn-lt"/>
+              </a:rPr>
+              <a:t>.</a:t>
+            </a:r>
           </a:p>
         </p:txBody>
       </p:sp>

--- a/tutorial/T10/tut10.pptx
+++ b/tutorial/T10/tut10.pptx
@@ -138,573 +138,6 @@
 
 <file path=ppt/changesInfos/changesInfo1.xml><?xml version="1.0" encoding="utf-8"?>
 <pc:chgInfo xmlns:a="http://schemas.openxmlformats.org/drawingml/2006/main" xmlns:r="http://schemas.openxmlformats.org/officeDocument/2006/relationships" xmlns:ac="http://schemas.microsoft.com/office/drawing/2013/main/command" xmlns:pc="http://schemas.microsoft.com/office/powerpoint/2013/main/command">
-  <pc:docChgLst>
-    <pc:chgData name="DING, Wenlong" userId="2462c282-915a-45d3-817d-b87203e0e2e0" providerId="ADAL" clId="{6FD17247-E81F-7949-B4C6-FEEA5B59708B}"/>
-    <pc:docChg chg="undo custSel addSld delSld modSld sldOrd">
-      <pc:chgData name="DING, Wenlong" userId="2462c282-915a-45d3-817d-b87203e0e2e0" providerId="ADAL" clId="{6FD17247-E81F-7949-B4C6-FEEA5B59708B}" dt="2023-11-08T06:59:42.737" v="1839" actId="1076"/>
-      <pc:docMkLst>
-        <pc:docMk/>
-      </pc:docMkLst>
-      <pc:sldChg chg="modSp mod">
-        <pc:chgData name="DING, Wenlong" userId="2462c282-915a-45d3-817d-b87203e0e2e0" providerId="ADAL" clId="{6FD17247-E81F-7949-B4C6-FEEA5B59708B}" dt="2023-11-08T06:35:23.733" v="1744" actId="20577"/>
-        <pc:sldMkLst>
-          <pc:docMk/>
-          <pc:sldMk cId="356419186" sldId="256"/>
-        </pc:sldMkLst>
-        <pc:spChg chg="mod">
-          <ac:chgData name="DING, Wenlong" userId="2462c282-915a-45d3-817d-b87203e0e2e0" providerId="ADAL" clId="{6FD17247-E81F-7949-B4C6-FEEA5B59708B}" dt="2023-11-07T12:14:43.175" v="10" actId="20577"/>
-          <ac:spMkLst>
-            <pc:docMk/>
-            <pc:sldMk cId="356419186" sldId="256"/>
-            <ac:spMk id="2" creationId="{37E55C1B-43BC-8B40-A7BE-D3C3F3D8A40E}"/>
-          </ac:spMkLst>
-        </pc:spChg>
-        <pc:spChg chg="mod">
-          <ac:chgData name="DING, Wenlong" userId="2462c282-915a-45d3-817d-b87203e0e2e0" providerId="ADAL" clId="{6FD17247-E81F-7949-B4C6-FEEA5B59708B}" dt="2023-11-08T06:35:23.733" v="1744" actId="20577"/>
-          <ac:spMkLst>
-            <pc:docMk/>
-            <pc:sldMk cId="356419186" sldId="256"/>
-            <ac:spMk id="3" creationId="{6CEAD46B-2981-B54E-B7BD-5B165BCFE3E7}"/>
-          </ac:spMkLst>
-        </pc:spChg>
-      </pc:sldChg>
-      <pc:sldChg chg="modSp mod">
-        <pc:chgData name="DING, Wenlong" userId="2462c282-915a-45d3-817d-b87203e0e2e0" providerId="ADAL" clId="{6FD17247-E81F-7949-B4C6-FEEA5B59708B}" dt="2023-11-07T13:41:32.939" v="1721" actId="1076"/>
-        <pc:sldMkLst>
-          <pc:docMk/>
-          <pc:sldMk cId="1947847713" sldId="257"/>
-        </pc:sldMkLst>
-        <pc:spChg chg="mod">
-          <ac:chgData name="DING, Wenlong" userId="2462c282-915a-45d3-817d-b87203e0e2e0" providerId="ADAL" clId="{6FD17247-E81F-7949-B4C6-FEEA5B59708B}" dt="2023-11-07T13:41:32.939" v="1721" actId="1076"/>
-          <ac:spMkLst>
-            <pc:docMk/>
-            <pc:sldMk cId="1947847713" sldId="257"/>
-            <ac:spMk id="3" creationId="{8F20472D-613F-3748-9CBD-88055CDB4B08}"/>
-          </ac:spMkLst>
-        </pc:spChg>
-      </pc:sldChg>
-      <pc:sldChg chg="addSp modSp mod">
-        <pc:chgData name="DING, Wenlong" userId="2462c282-915a-45d3-817d-b87203e0e2e0" providerId="ADAL" clId="{6FD17247-E81F-7949-B4C6-FEEA5B59708B}" dt="2023-11-08T06:59:42.737" v="1839" actId="1076"/>
-        <pc:sldMkLst>
-          <pc:docMk/>
-          <pc:sldMk cId="2292626886" sldId="293"/>
-        </pc:sldMkLst>
-        <pc:spChg chg="mod">
-          <ac:chgData name="DING, Wenlong" userId="2462c282-915a-45d3-817d-b87203e0e2e0" providerId="ADAL" clId="{6FD17247-E81F-7949-B4C6-FEEA5B59708B}" dt="2023-11-08T06:59:07.888" v="1835" actId="1076"/>
-          <ac:spMkLst>
-            <pc:docMk/>
-            <pc:sldMk cId="2292626886" sldId="293"/>
-            <ac:spMk id="2" creationId="{8D7A4BFD-FF2E-4FE5-8458-67338C96BAF4}"/>
-          </ac:spMkLst>
-        </pc:spChg>
-        <pc:spChg chg="mod">
-          <ac:chgData name="DING, Wenlong" userId="2462c282-915a-45d3-817d-b87203e0e2e0" providerId="ADAL" clId="{6FD17247-E81F-7949-B4C6-FEEA5B59708B}" dt="2023-11-08T06:59:05.376" v="1834" actId="1076"/>
-          <ac:spMkLst>
-            <pc:docMk/>
-            <pc:sldMk cId="2292626886" sldId="293"/>
-            <ac:spMk id="3" creationId="{41C77E84-359B-B990-B568-A3302507241B}"/>
-          </ac:spMkLst>
-        </pc:spChg>
-        <pc:spChg chg="add mod">
-          <ac:chgData name="DING, Wenlong" userId="2462c282-915a-45d3-817d-b87203e0e2e0" providerId="ADAL" clId="{6FD17247-E81F-7949-B4C6-FEEA5B59708B}" dt="2023-11-08T06:59:09.691" v="1836" actId="1076"/>
-          <ac:spMkLst>
-            <pc:docMk/>
-            <pc:sldMk cId="2292626886" sldId="293"/>
-            <ac:spMk id="4" creationId="{C81EC202-5887-D163-A62A-3C0264C98434}"/>
-          </ac:spMkLst>
-        </pc:spChg>
-        <pc:spChg chg="add mod">
-          <ac:chgData name="DING, Wenlong" userId="2462c282-915a-45d3-817d-b87203e0e2e0" providerId="ADAL" clId="{6FD17247-E81F-7949-B4C6-FEEA5B59708B}" dt="2023-11-08T06:59:42.737" v="1839" actId="1076"/>
-          <ac:spMkLst>
-            <pc:docMk/>
-            <pc:sldMk cId="2292626886" sldId="293"/>
-            <ac:spMk id="5" creationId="{E8F71926-39FF-3A84-7BE0-15AD94B7F033}"/>
-          </ac:spMkLst>
-        </pc:spChg>
-      </pc:sldChg>
-      <pc:sldChg chg="addSp delSp modSp add mod">
-        <pc:chgData name="DING, Wenlong" userId="2462c282-915a-45d3-817d-b87203e0e2e0" providerId="ADAL" clId="{6FD17247-E81F-7949-B4C6-FEEA5B59708B}" dt="2023-11-07T12:53:49.078" v="1002" actId="20577"/>
-        <pc:sldMkLst>
-          <pc:docMk/>
-          <pc:sldMk cId="3039411878" sldId="294"/>
-        </pc:sldMkLst>
-        <pc:spChg chg="mod">
-          <ac:chgData name="DING, Wenlong" userId="2462c282-915a-45d3-817d-b87203e0e2e0" providerId="ADAL" clId="{6FD17247-E81F-7949-B4C6-FEEA5B59708B}" dt="2023-11-07T12:53:49.078" v="1002" actId="20577"/>
-          <ac:spMkLst>
-            <pc:docMk/>
-            <pc:sldMk cId="3039411878" sldId="294"/>
-            <ac:spMk id="2" creationId="{6BBEA3AE-E29F-6D3D-CADA-51EE73C22525}"/>
-          </ac:spMkLst>
-        </pc:spChg>
-        <pc:spChg chg="mod">
-          <ac:chgData name="DING, Wenlong" userId="2462c282-915a-45d3-817d-b87203e0e2e0" providerId="ADAL" clId="{6FD17247-E81F-7949-B4C6-FEEA5B59708B}" dt="2023-11-07T12:25:54.614" v="97" actId="20577"/>
-          <ac:spMkLst>
-            <pc:docMk/>
-            <pc:sldMk cId="3039411878" sldId="294"/>
-            <ac:spMk id="6" creationId="{118CA799-E4E9-A1C8-5C60-A3F3D99D600E}"/>
-          </ac:spMkLst>
-        </pc:spChg>
-        <pc:spChg chg="add mod">
-          <ac:chgData name="DING, Wenlong" userId="2462c282-915a-45d3-817d-b87203e0e2e0" providerId="ADAL" clId="{6FD17247-E81F-7949-B4C6-FEEA5B59708B}" dt="2023-11-07T12:50:19.956" v="873" actId="20577"/>
-          <ac:spMkLst>
-            <pc:docMk/>
-            <pc:sldMk cId="3039411878" sldId="294"/>
-            <ac:spMk id="10" creationId="{C42CD552-6A01-6C36-E0A6-339E823DF108}"/>
-          </ac:spMkLst>
-        </pc:spChg>
-        <pc:picChg chg="del">
-          <ac:chgData name="DING, Wenlong" userId="2462c282-915a-45d3-817d-b87203e0e2e0" providerId="ADAL" clId="{6FD17247-E81F-7949-B4C6-FEEA5B59708B}" dt="2023-11-07T12:32:50.655" v="101" actId="478"/>
-          <ac:picMkLst>
-            <pc:docMk/>
-            <pc:sldMk cId="3039411878" sldId="294"/>
-            <ac:picMk id="4" creationId="{A28F95AA-248A-0A12-F081-D8214799A8DB}"/>
-          </ac:picMkLst>
-        </pc:picChg>
-        <pc:picChg chg="add del mod">
-          <ac:chgData name="DING, Wenlong" userId="2462c282-915a-45d3-817d-b87203e0e2e0" providerId="ADAL" clId="{6FD17247-E81F-7949-B4C6-FEEA5B59708B}" dt="2023-11-07T12:41:02.064" v="535" actId="478"/>
-          <ac:picMkLst>
-            <pc:docMk/>
-            <pc:sldMk cId="3039411878" sldId="294"/>
-            <ac:picMk id="5" creationId="{682F6374-A646-0510-BB0F-373ED9D03972}"/>
-          </ac:picMkLst>
-        </pc:picChg>
-        <pc:picChg chg="add mod">
-          <ac:chgData name="DING, Wenlong" userId="2462c282-915a-45d3-817d-b87203e0e2e0" providerId="ADAL" clId="{6FD17247-E81F-7949-B4C6-FEEA5B59708B}" dt="2023-11-07T12:41:42.939" v="537" actId="1076"/>
-          <ac:picMkLst>
-            <pc:docMk/>
-            <pc:sldMk cId="3039411878" sldId="294"/>
-            <ac:picMk id="8" creationId="{217E9DB2-7E9C-F291-667B-A341651123EC}"/>
-          </ac:picMkLst>
-        </pc:picChg>
-      </pc:sldChg>
-      <pc:sldChg chg="addSp delSp modSp add mod">
-        <pc:chgData name="DING, Wenlong" userId="2462c282-915a-45d3-817d-b87203e0e2e0" providerId="ADAL" clId="{6FD17247-E81F-7949-B4C6-FEEA5B59708B}" dt="2023-11-07T14:09:37.586" v="1736" actId="1076"/>
-        <pc:sldMkLst>
-          <pc:docMk/>
-          <pc:sldMk cId="3381083490" sldId="295"/>
-        </pc:sldMkLst>
-        <pc:spChg chg="del mod">
-          <ac:chgData name="DING, Wenlong" userId="2462c282-915a-45d3-817d-b87203e0e2e0" providerId="ADAL" clId="{6FD17247-E81F-7949-B4C6-FEEA5B59708B}" dt="2023-11-07T13:39:24.825" v="1506" actId="478"/>
-          <ac:spMkLst>
-            <pc:docMk/>
-            <pc:sldMk cId="3381083490" sldId="295"/>
-            <ac:spMk id="2" creationId="{6BBEA3AE-E29F-6D3D-CADA-51EE73C22525}"/>
-          </ac:spMkLst>
-        </pc:spChg>
-        <pc:spChg chg="add del mod">
-          <ac:chgData name="DING, Wenlong" userId="2462c282-915a-45d3-817d-b87203e0e2e0" providerId="ADAL" clId="{6FD17247-E81F-7949-B4C6-FEEA5B59708B}" dt="2023-11-07T12:58:22.381" v="1133"/>
-          <ac:spMkLst>
-            <pc:docMk/>
-            <pc:sldMk cId="3381083490" sldId="295"/>
-            <ac:spMk id="3" creationId="{BA94F1A7-C675-BF3B-6C4A-51D0EB0B5477}"/>
-          </ac:spMkLst>
-        </pc:spChg>
-        <pc:spChg chg="add mod">
-          <ac:chgData name="DING, Wenlong" userId="2462c282-915a-45d3-817d-b87203e0e2e0" providerId="ADAL" clId="{6FD17247-E81F-7949-B4C6-FEEA5B59708B}" dt="2023-11-07T14:09:32.231" v="1735" actId="20577"/>
-          <ac:spMkLst>
-            <pc:docMk/>
-            <pc:sldMk cId="3381083490" sldId="295"/>
-            <ac:spMk id="4" creationId="{62BE979B-4417-8652-D250-5A071E52153F}"/>
-          </ac:spMkLst>
-        </pc:spChg>
-        <pc:spChg chg="mod">
-          <ac:chgData name="DING, Wenlong" userId="2462c282-915a-45d3-817d-b87203e0e2e0" providerId="ADAL" clId="{6FD17247-E81F-7949-B4C6-FEEA5B59708B}" dt="2023-11-07T12:43:53.904" v="648" actId="20577"/>
-          <ac:spMkLst>
-            <pc:docMk/>
-            <pc:sldMk cId="3381083490" sldId="295"/>
-            <ac:spMk id="6" creationId="{118CA799-E4E9-A1C8-5C60-A3F3D99D600E}"/>
-          </ac:spMkLst>
-        </pc:spChg>
-        <pc:spChg chg="del mod">
-          <ac:chgData name="DING, Wenlong" userId="2462c282-915a-45d3-817d-b87203e0e2e0" providerId="ADAL" clId="{6FD17247-E81F-7949-B4C6-FEEA5B59708B}" dt="2023-11-07T12:55:42.098" v="1114"/>
-          <ac:spMkLst>
-            <pc:docMk/>
-            <pc:sldMk cId="3381083490" sldId="295"/>
-            <ac:spMk id="10" creationId="{C42CD552-6A01-6C36-E0A6-339E823DF108}"/>
-          </ac:spMkLst>
-        </pc:spChg>
-        <pc:picChg chg="add del mod">
-          <ac:chgData name="DING, Wenlong" userId="2462c282-915a-45d3-817d-b87203e0e2e0" providerId="ADAL" clId="{6FD17247-E81F-7949-B4C6-FEEA5B59708B}" dt="2023-11-07T14:09:16.932" v="1727" actId="478"/>
-          <ac:picMkLst>
-            <pc:docMk/>
-            <pc:sldMk cId="3381083490" sldId="295"/>
-            <ac:picMk id="5" creationId="{717AAA7B-D28B-19D8-C1D5-D8354CA6DF2C}"/>
-          </ac:picMkLst>
-        </pc:picChg>
-        <pc:picChg chg="add mod">
-          <ac:chgData name="DING, Wenlong" userId="2462c282-915a-45d3-817d-b87203e0e2e0" providerId="ADAL" clId="{6FD17247-E81F-7949-B4C6-FEEA5B59708B}" dt="2023-11-07T14:09:37.586" v="1736" actId="1076"/>
-          <ac:picMkLst>
-            <pc:docMk/>
-            <pc:sldMk cId="3381083490" sldId="295"/>
-            <ac:picMk id="7" creationId="{92C8BEAC-D390-4010-9BB1-AE36DC6D2AA2}"/>
-          </ac:picMkLst>
-        </pc:picChg>
-        <pc:picChg chg="del">
-          <ac:chgData name="DING, Wenlong" userId="2462c282-915a-45d3-817d-b87203e0e2e0" providerId="ADAL" clId="{6FD17247-E81F-7949-B4C6-FEEA5B59708B}" dt="2023-11-07T12:55:20.498" v="1091" actId="478"/>
-          <ac:picMkLst>
-            <pc:docMk/>
-            <pc:sldMk cId="3381083490" sldId="295"/>
-            <ac:picMk id="8" creationId="{217E9DB2-7E9C-F291-667B-A341651123EC}"/>
-          </ac:picMkLst>
-        </pc:picChg>
-      </pc:sldChg>
-      <pc:sldChg chg="addSp delSp modSp add mod ord">
-        <pc:chgData name="DING, Wenlong" userId="2462c282-915a-45d3-817d-b87203e0e2e0" providerId="ADAL" clId="{6FD17247-E81F-7949-B4C6-FEEA5B59708B}" dt="2023-11-07T14:09:55.341" v="1740" actId="1076"/>
-        <pc:sldMkLst>
-          <pc:docMk/>
-          <pc:sldMk cId="2015864520" sldId="296"/>
-        </pc:sldMkLst>
-        <pc:spChg chg="mod">
-          <ac:chgData name="DING, Wenlong" userId="2462c282-915a-45d3-817d-b87203e0e2e0" providerId="ADAL" clId="{6FD17247-E81F-7949-B4C6-FEEA5B59708B}" dt="2023-11-07T13:39:09.317" v="1505" actId="20577"/>
-          <ac:spMkLst>
-            <pc:docMk/>
-            <pc:sldMk cId="2015864520" sldId="296"/>
-            <ac:spMk id="2" creationId="{6BBEA3AE-E29F-6D3D-CADA-51EE73C22525}"/>
-          </ac:spMkLst>
-        </pc:spChg>
-        <pc:spChg chg="mod">
-          <ac:chgData name="DING, Wenlong" userId="2462c282-915a-45d3-817d-b87203e0e2e0" providerId="ADAL" clId="{6FD17247-E81F-7949-B4C6-FEEA5B59708B}" dt="2023-11-07T12:44:04.336" v="667" actId="20577"/>
-          <ac:spMkLst>
-            <pc:docMk/>
-            <pc:sldMk cId="2015864520" sldId="296"/>
-            <ac:spMk id="6" creationId="{118CA799-E4E9-A1C8-5C60-A3F3D99D600E}"/>
-          </ac:spMkLst>
-        </pc:spChg>
-        <pc:spChg chg="del mod">
-          <ac:chgData name="DING, Wenlong" userId="2462c282-915a-45d3-817d-b87203e0e2e0" providerId="ADAL" clId="{6FD17247-E81F-7949-B4C6-FEEA5B59708B}" dt="2023-11-07T13:28:05.251" v="1207" actId="478"/>
-          <ac:spMkLst>
-            <pc:docMk/>
-            <pc:sldMk cId="2015864520" sldId="296"/>
-            <ac:spMk id="10" creationId="{C42CD552-6A01-6C36-E0A6-339E823DF108}"/>
-          </ac:spMkLst>
-        </pc:spChg>
-        <pc:picChg chg="add mod">
-          <ac:chgData name="DING, Wenlong" userId="2462c282-915a-45d3-817d-b87203e0e2e0" providerId="ADAL" clId="{6FD17247-E81F-7949-B4C6-FEEA5B59708B}" dt="2023-11-07T14:09:55.341" v="1740" actId="1076"/>
-          <ac:picMkLst>
-            <pc:docMk/>
-            <pc:sldMk cId="2015864520" sldId="296"/>
-            <ac:picMk id="3" creationId="{27AB3FA0-C74D-029A-D211-5050FB3B1783}"/>
-          </ac:picMkLst>
-        </pc:picChg>
-        <pc:picChg chg="del">
-          <ac:chgData name="DING, Wenlong" userId="2462c282-915a-45d3-817d-b87203e0e2e0" providerId="ADAL" clId="{6FD17247-E81F-7949-B4C6-FEEA5B59708B}" dt="2023-11-07T13:28:06.967" v="1208" actId="478"/>
-          <ac:picMkLst>
-            <pc:docMk/>
-            <pc:sldMk cId="2015864520" sldId="296"/>
-            <ac:picMk id="8" creationId="{217E9DB2-7E9C-F291-667B-A341651123EC}"/>
-          </ac:picMkLst>
-        </pc:picChg>
-      </pc:sldChg>
-      <pc:sldChg chg="addSp delSp modSp add mod">
-        <pc:chgData name="DING, Wenlong" userId="2462c282-915a-45d3-817d-b87203e0e2e0" providerId="ADAL" clId="{6FD17247-E81F-7949-B4C6-FEEA5B59708B}" dt="2023-11-07T12:55:09.462" v="1090" actId="20577"/>
-        <pc:sldMkLst>
-          <pc:docMk/>
-          <pc:sldMk cId="1229357586" sldId="297"/>
-        </pc:sldMkLst>
-        <pc:spChg chg="del">
-          <ac:chgData name="DING, Wenlong" userId="2462c282-915a-45d3-817d-b87203e0e2e0" providerId="ADAL" clId="{6FD17247-E81F-7949-B4C6-FEEA5B59708B}" dt="2023-11-07T12:47:41.289" v="676" actId="478"/>
-          <ac:spMkLst>
-            <pc:docMk/>
-            <pc:sldMk cId="1229357586" sldId="297"/>
-            <ac:spMk id="2" creationId="{6BBEA3AE-E29F-6D3D-CADA-51EE73C22525}"/>
-          </ac:spMkLst>
-        </pc:spChg>
-        <pc:spChg chg="mod">
-          <ac:chgData name="DING, Wenlong" userId="2462c282-915a-45d3-817d-b87203e0e2e0" providerId="ADAL" clId="{6FD17247-E81F-7949-B4C6-FEEA5B59708B}" dt="2023-11-07T12:55:09.462" v="1090" actId="20577"/>
-          <ac:spMkLst>
-            <pc:docMk/>
-            <pc:sldMk cId="1229357586" sldId="297"/>
-            <ac:spMk id="10" creationId="{C42CD552-6A01-6C36-E0A6-339E823DF108}"/>
-          </ac:spMkLst>
-        </pc:spChg>
-        <pc:picChg chg="add mod">
-          <ac:chgData name="DING, Wenlong" userId="2462c282-915a-45d3-817d-b87203e0e2e0" providerId="ADAL" clId="{6FD17247-E81F-7949-B4C6-FEEA5B59708B}" dt="2023-11-07T12:48:49.307" v="685" actId="1076"/>
-          <ac:picMkLst>
-            <pc:docMk/>
-            <pc:sldMk cId="1229357586" sldId="297"/>
-            <ac:picMk id="4" creationId="{534911D7-5051-CF57-2E5D-480182509674}"/>
-          </ac:picMkLst>
-        </pc:picChg>
-        <pc:picChg chg="add del mod">
-          <ac:chgData name="DING, Wenlong" userId="2462c282-915a-45d3-817d-b87203e0e2e0" providerId="ADAL" clId="{6FD17247-E81F-7949-B4C6-FEEA5B59708B}" dt="2023-11-07T12:48:56.526" v="687" actId="478"/>
-          <ac:picMkLst>
-            <pc:docMk/>
-            <pc:sldMk cId="1229357586" sldId="297"/>
-            <ac:picMk id="7" creationId="{A1A27F7A-1D11-0834-A085-D94BDBDBA4A4}"/>
-          </ac:picMkLst>
-        </pc:picChg>
-        <pc:picChg chg="del">
-          <ac:chgData name="DING, Wenlong" userId="2462c282-915a-45d3-817d-b87203e0e2e0" providerId="ADAL" clId="{6FD17247-E81F-7949-B4C6-FEEA5B59708B}" dt="2023-11-07T12:47:42.796" v="677" actId="478"/>
-          <ac:picMkLst>
-            <pc:docMk/>
-            <pc:sldMk cId="1229357586" sldId="297"/>
-            <ac:picMk id="8" creationId="{217E9DB2-7E9C-F291-667B-A341651123EC}"/>
-          </ac:picMkLst>
-        </pc:picChg>
-        <pc:picChg chg="add mod">
-          <ac:chgData name="DING, Wenlong" userId="2462c282-915a-45d3-817d-b87203e0e2e0" providerId="ADAL" clId="{6FD17247-E81F-7949-B4C6-FEEA5B59708B}" dt="2023-11-07T12:48:54.614" v="686" actId="571"/>
-          <ac:picMkLst>
-            <pc:docMk/>
-            <pc:sldMk cId="1229357586" sldId="297"/>
-            <ac:picMk id="9" creationId="{2881B423-32A0-70B2-CE11-7B99CD110D7F}"/>
-          </ac:picMkLst>
-        </pc:picChg>
-      </pc:sldChg>
-      <pc:sldChg chg="modSp add del mod">
-        <pc:chgData name="DING, Wenlong" userId="2462c282-915a-45d3-817d-b87203e0e2e0" providerId="ADAL" clId="{6FD17247-E81F-7949-B4C6-FEEA5B59708B}" dt="2023-11-08T06:57:02.401" v="1754" actId="2696"/>
-        <pc:sldMkLst>
-          <pc:docMk/>
-          <pc:sldMk cId="828139001" sldId="298"/>
-        </pc:sldMkLst>
-        <pc:spChg chg="mod">
-          <ac:chgData name="DING, Wenlong" userId="2462c282-915a-45d3-817d-b87203e0e2e0" providerId="ADAL" clId="{6FD17247-E81F-7949-B4C6-FEEA5B59708B}" dt="2023-11-08T06:56:50.092" v="1753" actId="1076"/>
-          <ac:spMkLst>
-            <pc:docMk/>
-            <pc:sldMk cId="828139001" sldId="298"/>
-            <ac:spMk id="3" creationId="{41C77E84-359B-B990-B568-A3302507241B}"/>
-          </ac:spMkLst>
-        </pc:spChg>
-      </pc:sldChg>
-    </pc:docChg>
-  </pc:docChgLst>
-  <pc:docChgLst>
-    <pc:chgData name="Qingyu Song" userId="O4NG2utMRSC9bShTQouuMd1Uq3x00QhxVtEheGSGOoU=" providerId="None" clId="Web-{1A9491C6-FD31-4FA7-98FA-39E25D0B6578}"/>
-    <pc:docChg chg="modSld">
-      <pc:chgData name="Qingyu Song" userId="O4NG2utMRSC9bShTQouuMd1Uq3x00QhxVtEheGSGOoU=" providerId="None" clId="Web-{1A9491C6-FD31-4FA7-98FA-39E25D0B6578}" dt="2022-01-09T11:29:04.756" v="11" actId="20577"/>
-      <pc:docMkLst>
-        <pc:docMk/>
-      </pc:docMkLst>
-      <pc:sldChg chg="modSp">
-        <pc:chgData name="Qingyu Song" userId="O4NG2utMRSC9bShTQouuMd1Uq3x00QhxVtEheGSGOoU=" providerId="None" clId="Web-{1A9491C6-FD31-4FA7-98FA-39E25D0B6578}" dt="2022-01-09T11:29:04.756" v="11" actId="20577"/>
-        <pc:sldMkLst>
-          <pc:docMk/>
-          <pc:sldMk cId="1947847713" sldId="257"/>
-        </pc:sldMkLst>
-        <pc:spChg chg="mod">
-          <ac:chgData name="Qingyu Song" userId="O4NG2utMRSC9bShTQouuMd1Uq3x00QhxVtEheGSGOoU=" providerId="None" clId="Web-{1A9491C6-FD31-4FA7-98FA-39E25D0B6578}" dt="2022-01-09T11:29:04.756" v="11" actId="20577"/>
-          <ac:spMkLst>
-            <pc:docMk/>
-            <pc:sldMk cId="1947847713" sldId="257"/>
-            <ac:spMk id="3" creationId="{8F20472D-613F-3748-9CBD-88055CDB4B08}"/>
-          </ac:spMkLst>
-        </pc:spChg>
-      </pc:sldChg>
-    </pc:docChg>
-  </pc:docChgLst>
-  <pc:docChgLst>
-    <pc:chgData name="SONG, Qingyu" userId="498998f4-7f18-4549-a740-dcfb6e1e3d22" providerId="ADAL" clId="{0F84402B-494A-D841-9A43-F49E88B6429E}"/>
-    <pc:docChg chg="undo redo custSel addSld delSld modSld">
-      <pc:chgData name="SONG, Qingyu" userId="498998f4-7f18-4549-a740-dcfb6e1e3d22" providerId="ADAL" clId="{0F84402B-494A-D841-9A43-F49E88B6429E}" dt="2022-01-20T01:06:45.773" v="90"/>
-      <pc:docMkLst>
-        <pc:docMk/>
-      </pc:docMkLst>
-      <pc:sldChg chg="addSp">
-        <pc:chgData name="SONG, Qingyu" userId="498998f4-7f18-4549-a740-dcfb6e1e3d22" providerId="ADAL" clId="{0F84402B-494A-D841-9A43-F49E88B6429E}" dt="2022-01-19T14:28:08.480" v="0"/>
-        <pc:sldMkLst>
-          <pc:docMk/>
-          <pc:sldMk cId="356419186" sldId="256"/>
-        </pc:sldMkLst>
-        <pc:picChg chg="add">
-          <ac:chgData name="SONG, Qingyu" userId="498998f4-7f18-4549-a740-dcfb6e1e3d22" providerId="ADAL" clId="{0F84402B-494A-D841-9A43-F49E88B6429E}" dt="2022-01-19T14:28:08.480" v="0"/>
-          <ac:picMkLst>
-            <pc:docMk/>
-            <pc:sldMk cId="356419186" sldId="256"/>
-            <ac:picMk id="6" creationId="{919BED88-AA1D-3144-ABB6-9C775BCC2765}"/>
-          </ac:picMkLst>
-        </pc:picChg>
-      </pc:sldChg>
-      <pc:sldChg chg="modSp mod">
-        <pc:chgData name="SONG, Qingyu" userId="498998f4-7f18-4549-a740-dcfb6e1e3d22" providerId="ADAL" clId="{0F84402B-494A-D841-9A43-F49E88B6429E}" dt="2022-01-19T14:28:15.459" v="2" actId="20577"/>
-        <pc:sldMkLst>
-          <pc:docMk/>
-          <pc:sldMk cId="1947847713" sldId="257"/>
-        </pc:sldMkLst>
-        <pc:spChg chg="mod">
-          <ac:chgData name="SONG, Qingyu" userId="498998f4-7f18-4549-a740-dcfb6e1e3d22" providerId="ADAL" clId="{0F84402B-494A-D841-9A43-F49E88B6429E}" dt="2022-01-19T14:28:15.459" v="2" actId="20577"/>
-          <ac:spMkLst>
-            <pc:docMk/>
-            <pc:sldMk cId="1947847713" sldId="257"/>
-            <ac:spMk id="3" creationId="{8F20472D-613F-3748-9CBD-88055CDB4B08}"/>
-          </ac:spMkLst>
-        </pc:spChg>
-      </pc:sldChg>
-      <pc:sldChg chg="modSp mod">
-        <pc:chgData name="SONG, Qingyu" userId="498998f4-7f18-4549-a740-dcfb6e1e3d22" providerId="ADAL" clId="{0F84402B-494A-D841-9A43-F49E88B6429E}" dt="2022-01-19T14:28:33.707" v="8" actId="20577"/>
-        <pc:sldMkLst>
-          <pc:docMk/>
-          <pc:sldMk cId="440415094" sldId="258"/>
-        </pc:sldMkLst>
-        <pc:spChg chg="mod">
-          <ac:chgData name="SONG, Qingyu" userId="498998f4-7f18-4549-a740-dcfb6e1e3d22" providerId="ADAL" clId="{0F84402B-494A-D841-9A43-F49E88B6429E}" dt="2022-01-19T14:28:33.707" v="8" actId="20577"/>
-          <ac:spMkLst>
-            <pc:docMk/>
-            <pc:sldMk cId="440415094" sldId="258"/>
-            <ac:spMk id="3" creationId="{8F20472D-613F-3748-9CBD-88055CDB4B08}"/>
-          </ac:spMkLst>
-        </pc:spChg>
-      </pc:sldChg>
-      <pc:sldChg chg="modSp mod">
-        <pc:chgData name="SONG, Qingyu" userId="498998f4-7f18-4549-a740-dcfb6e1e3d22" providerId="ADAL" clId="{0F84402B-494A-D841-9A43-F49E88B6429E}" dt="2022-01-19T14:52:36.846" v="53" actId="20577"/>
-        <pc:sldMkLst>
-          <pc:docMk/>
-          <pc:sldMk cId="746100141" sldId="274"/>
-        </pc:sldMkLst>
-        <pc:spChg chg="mod">
-          <ac:chgData name="SONG, Qingyu" userId="498998f4-7f18-4549-a740-dcfb6e1e3d22" providerId="ADAL" clId="{0F84402B-494A-D841-9A43-F49E88B6429E}" dt="2022-01-19T14:30:51.589" v="9" actId="20577"/>
-          <ac:spMkLst>
-            <pc:docMk/>
-            <pc:sldMk cId="746100141" sldId="274"/>
-            <ac:spMk id="2" creationId="{45C79BA1-37A3-5741-B0A1-E64646E4283C}"/>
-          </ac:spMkLst>
-        </pc:spChg>
-        <pc:spChg chg="mod">
-          <ac:chgData name="SONG, Qingyu" userId="498998f4-7f18-4549-a740-dcfb6e1e3d22" providerId="ADAL" clId="{0F84402B-494A-D841-9A43-F49E88B6429E}" dt="2022-01-19T14:52:36.846" v="53" actId="20577"/>
-          <ac:spMkLst>
-            <pc:docMk/>
-            <pc:sldMk cId="746100141" sldId="274"/>
-            <ac:spMk id="3" creationId="{8F20472D-613F-3748-9CBD-88055CDB4B08}"/>
-          </ac:spMkLst>
-        </pc:spChg>
-      </pc:sldChg>
-      <pc:sldChg chg="modSp mod modAnim">
-        <pc:chgData name="SONG, Qingyu" userId="498998f4-7f18-4549-a740-dcfb6e1e3d22" providerId="ADAL" clId="{0F84402B-494A-D841-9A43-F49E88B6429E}" dt="2022-01-19T14:53:09.710" v="57" actId="20577"/>
-        <pc:sldMkLst>
-          <pc:docMk/>
-          <pc:sldMk cId="442365464" sldId="275"/>
-        </pc:sldMkLst>
-        <pc:spChg chg="mod">
-          <ac:chgData name="SONG, Qingyu" userId="498998f4-7f18-4549-a740-dcfb6e1e3d22" providerId="ADAL" clId="{0F84402B-494A-D841-9A43-F49E88B6429E}" dt="2022-01-19T14:30:56.113" v="10"/>
-          <ac:spMkLst>
-            <pc:docMk/>
-            <pc:sldMk cId="442365464" sldId="275"/>
-            <ac:spMk id="2" creationId="{45C79BA1-37A3-5741-B0A1-E64646E4283C}"/>
-          </ac:spMkLst>
-        </pc:spChg>
-        <pc:spChg chg="mod">
-          <ac:chgData name="SONG, Qingyu" userId="498998f4-7f18-4549-a740-dcfb6e1e3d22" providerId="ADAL" clId="{0F84402B-494A-D841-9A43-F49E88B6429E}" dt="2022-01-19T14:53:09.710" v="57" actId="20577"/>
-          <ac:spMkLst>
-            <pc:docMk/>
-            <pc:sldMk cId="442365464" sldId="275"/>
-            <ac:spMk id="3" creationId="{8F20472D-613F-3748-9CBD-88055CDB4B08}"/>
-          </ac:spMkLst>
-        </pc:spChg>
-        <pc:spChg chg="mod">
-          <ac:chgData name="SONG, Qingyu" userId="498998f4-7f18-4549-a740-dcfb6e1e3d22" providerId="ADAL" clId="{0F84402B-494A-D841-9A43-F49E88B6429E}" dt="2022-01-19T14:52:30.806" v="49" actId="1036"/>
-          <ac:spMkLst>
-            <pc:docMk/>
-            <pc:sldMk cId="442365464" sldId="275"/>
-            <ac:spMk id="7" creationId="{B4F2FCAB-565E-4178-BECE-B014B8B03F74}"/>
-          </ac:spMkLst>
-        </pc:spChg>
-      </pc:sldChg>
-      <pc:sldChg chg="modSp del">
-        <pc:chgData name="SONG, Qingyu" userId="498998f4-7f18-4549-a740-dcfb6e1e3d22" providerId="ADAL" clId="{0F84402B-494A-D841-9A43-F49E88B6429E}" dt="2022-01-19T14:53:04.928" v="55" actId="2696"/>
-        <pc:sldMkLst>
-          <pc:docMk/>
-          <pc:sldMk cId="3494430642" sldId="276"/>
-        </pc:sldMkLst>
-        <pc:spChg chg="mod">
-          <ac:chgData name="SONG, Qingyu" userId="498998f4-7f18-4549-a740-dcfb6e1e3d22" providerId="ADAL" clId="{0F84402B-494A-D841-9A43-F49E88B6429E}" dt="2022-01-19T14:31:04.578" v="12"/>
-          <ac:spMkLst>
-            <pc:docMk/>
-            <pc:sldMk cId="3494430642" sldId="276"/>
-            <ac:spMk id="2" creationId="{45C79BA1-37A3-5741-B0A1-E64646E4283C}"/>
-          </ac:spMkLst>
-        </pc:spChg>
-      </pc:sldChg>
-      <pc:sldChg chg="modSp mod">
-        <pc:chgData name="SONG, Qingyu" userId="498998f4-7f18-4549-a740-dcfb6e1e3d22" providerId="ADAL" clId="{0F84402B-494A-D841-9A43-F49E88B6429E}" dt="2022-01-20T01:06:31.128" v="89" actId="20577"/>
-        <pc:sldMkLst>
-          <pc:docMk/>
-          <pc:sldMk cId="4278079293" sldId="277"/>
-        </pc:sldMkLst>
-        <pc:spChg chg="mod">
-          <ac:chgData name="SONG, Qingyu" userId="498998f4-7f18-4549-a740-dcfb6e1e3d22" providerId="ADAL" clId="{0F84402B-494A-D841-9A43-F49E88B6429E}" dt="2022-01-19T14:31:06.498" v="13" actId="20577"/>
-          <ac:spMkLst>
-            <pc:docMk/>
-            <pc:sldMk cId="4278079293" sldId="277"/>
-            <ac:spMk id="2" creationId="{45C79BA1-37A3-5741-B0A1-E64646E4283C}"/>
-          </ac:spMkLst>
-        </pc:spChg>
-        <pc:spChg chg="mod">
-          <ac:chgData name="SONG, Qingyu" userId="498998f4-7f18-4549-a740-dcfb6e1e3d22" providerId="ADAL" clId="{0F84402B-494A-D841-9A43-F49E88B6429E}" dt="2022-01-20T01:06:31.128" v="89" actId="20577"/>
-          <ac:spMkLst>
-            <pc:docMk/>
-            <pc:sldMk cId="4278079293" sldId="277"/>
-            <ac:spMk id="3" creationId="{8F20472D-613F-3748-9CBD-88055CDB4B08}"/>
-          </ac:spMkLst>
-        </pc:spChg>
-      </pc:sldChg>
-      <pc:sldChg chg="modSp">
-        <pc:chgData name="SONG, Qingyu" userId="498998f4-7f18-4549-a740-dcfb6e1e3d22" providerId="ADAL" clId="{0F84402B-494A-D841-9A43-F49E88B6429E}" dt="2022-01-19T14:31:13.089" v="14"/>
-        <pc:sldMkLst>
-          <pc:docMk/>
-          <pc:sldMk cId="3882663473" sldId="278"/>
-        </pc:sldMkLst>
-        <pc:spChg chg="mod">
-          <ac:chgData name="SONG, Qingyu" userId="498998f4-7f18-4549-a740-dcfb6e1e3d22" providerId="ADAL" clId="{0F84402B-494A-D841-9A43-F49E88B6429E}" dt="2022-01-19T14:31:13.089" v="14"/>
-          <ac:spMkLst>
-            <pc:docMk/>
-            <pc:sldMk cId="3882663473" sldId="278"/>
-            <ac:spMk id="2" creationId="{45C79BA1-37A3-5741-B0A1-E64646E4283C}"/>
-          </ac:spMkLst>
-        </pc:spChg>
-      </pc:sldChg>
-      <pc:sldChg chg="modSp mod">
-        <pc:chgData name="SONG, Qingyu" userId="498998f4-7f18-4549-a740-dcfb6e1e3d22" providerId="ADAL" clId="{0F84402B-494A-D841-9A43-F49E88B6429E}" dt="2022-01-20T01:06:45.773" v="90"/>
-        <pc:sldMkLst>
-          <pc:docMk/>
-          <pc:sldMk cId="3927078520" sldId="279"/>
-        </pc:sldMkLst>
-        <pc:spChg chg="mod">
-          <ac:chgData name="SONG, Qingyu" userId="498998f4-7f18-4549-a740-dcfb6e1e3d22" providerId="ADAL" clId="{0F84402B-494A-D841-9A43-F49E88B6429E}" dt="2022-01-19T14:31:16.215" v="15"/>
-          <ac:spMkLst>
-            <pc:docMk/>
-            <pc:sldMk cId="3927078520" sldId="279"/>
-            <ac:spMk id="2" creationId="{45C79BA1-37A3-5741-B0A1-E64646E4283C}"/>
-          </ac:spMkLst>
-        </pc:spChg>
-        <pc:spChg chg="mod">
-          <ac:chgData name="SONG, Qingyu" userId="498998f4-7f18-4549-a740-dcfb6e1e3d22" providerId="ADAL" clId="{0F84402B-494A-D841-9A43-F49E88B6429E}" dt="2022-01-20T01:06:45.773" v="90"/>
-          <ac:spMkLst>
-            <pc:docMk/>
-            <pc:sldMk cId="3927078520" sldId="279"/>
-            <ac:spMk id="3" creationId="{8F20472D-613F-3748-9CBD-88055CDB4B08}"/>
-          </ac:spMkLst>
-        </pc:spChg>
-      </pc:sldChg>
-      <pc:sldChg chg="modSp">
-        <pc:chgData name="SONG, Qingyu" userId="498998f4-7f18-4549-a740-dcfb6e1e3d22" providerId="ADAL" clId="{0F84402B-494A-D841-9A43-F49E88B6429E}" dt="2022-01-19T14:31:20.046" v="16"/>
-        <pc:sldMkLst>
-          <pc:docMk/>
-          <pc:sldMk cId="1261831385" sldId="280"/>
-        </pc:sldMkLst>
-        <pc:spChg chg="mod">
-          <ac:chgData name="SONG, Qingyu" userId="498998f4-7f18-4549-a740-dcfb6e1e3d22" providerId="ADAL" clId="{0F84402B-494A-D841-9A43-F49E88B6429E}" dt="2022-01-19T14:31:20.046" v="16"/>
-          <ac:spMkLst>
-            <pc:docMk/>
-            <pc:sldMk cId="1261831385" sldId="280"/>
-            <ac:spMk id="2" creationId="{45C79BA1-37A3-5741-B0A1-E64646E4283C}"/>
-          </ac:spMkLst>
-        </pc:spChg>
-      </pc:sldChg>
-      <pc:sldChg chg="modSp add mod">
-        <pc:chgData name="SONG, Qingyu" userId="498998f4-7f18-4549-a740-dcfb6e1e3d22" providerId="ADAL" clId="{0F84402B-494A-D841-9A43-F49E88B6429E}" dt="2022-01-19T14:55:18" v="62" actId="20577"/>
-        <pc:sldMkLst>
-          <pc:docMk/>
-          <pc:sldMk cId="11664182" sldId="281"/>
-        </pc:sldMkLst>
-        <pc:spChg chg="mod">
-          <ac:chgData name="SONG, Qingyu" userId="498998f4-7f18-4549-a740-dcfb6e1e3d22" providerId="ADAL" clId="{0F84402B-494A-D841-9A43-F49E88B6429E}" dt="2022-01-19T14:55:18" v="62" actId="20577"/>
-          <ac:spMkLst>
-            <pc:docMk/>
-            <pc:sldMk cId="11664182" sldId="281"/>
-            <ac:spMk id="3" creationId="{8F20472D-613F-3748-9CBD-88055CDB4B08}"/>
-          </ac:spMkLst>
-        </pc:spChg>
-      </pc:sldChg>
-    </pc:docChg>
-  </pc:docChgLst>
   <pc:docChgLst>
     <pc:chgData name="SONG, Qingyu" userId="498998f4-7f18-4549-a740-dcfb6e1e3d22" providerId="ADAL" clId="{A2A67607-707D-9A4B-B498-57C0CB8C6AF6}"/>
     <pc:docChg chg="undo custSel addSld delSld modSld">
@@ -1349,6 +782,573 @@
       </pc:sldChg>
     </pc:docChg>
   </pc:docChgLst>
+  <pc:docChgLst>
+    <pc:chgData name="Qingyu Song" userId="O4NG2utMRSC9bShTQouuMd1Uq3x00QhxVtEheGSGOoU=" providerId="None" clId="Web-{1A9491C6-FD31-4FA7-98FA-39E25D0B6578}"/>
+    <pc:docChg chg="modSld">
+      <pc:chgData name="Qingyu Song" userId="O4NG2utMRSC9bShTQouuMd1Uq3x00QhxVtEheGSGOoU=" providerId="None" clId="Web-{1A9491C6-FD31-4FA7-98FA-39E25D0B6578}" dt="2022-01-09T11:29:04.756" v="11" actId="20577"/>
+      <pc:docMkLst>
+        <pc:docMk/>
+      </pc:docMkLst>
+      <pc:sldChg chg="modSp">
+        <pc:chgData name="Qingyu Song" userId="O4NG2utMRSC9bShTQouuMd1Uq3x00QhxVtEheGSGOoU=" providerId="None" clId="Web-{1A9491C6-FD31-4FA7-98FA-39E25D0B6578}" dt="2022-01-09T11:29:04.756" v="11" actId="20577"/>
+        <pc:sldMkLst>
+          <pc:docMk/>
+          <pc:sldMk cId="1947847713" sldId="257"/>
+        </pc:sldMkLst>
+        <pc:spChg chg="mod">
+          <ac:chgData name="Qingyu Song" userId="O4NG2utMRSC9bShTQouuMd1Uq3x00QhxVtEheGSGOoU=" providerId="None" clId="Web-{1A9491C6-FD31-4FA7-98FA-39E25D0B6578}" dt="2022-01-09T11:29:04.756" v="11" actId="20577"/>
+          <ac:spMkLst>
+            <pc:docMk/>
+            <pc:sldMk cId="1947847713" sldId="257"/>
+            <ac:spMk id="3" creationId="{8F20472D-613F-3748-9CBD-88055CDB4B08}"/>
+          </ac:spMkLst>
+        </pc:spChg>
+      </pc:sldChg>
+    </pc:docChg>
+  </pc:docChgLst>
+  <pc:docChgLst>
+    <pc:chgData name="SONG, Qingyu" userId="498998f4-7f18-4549-a740-dcfb6e1e3d22" providerId="ADAL" clId="{0F84402B-494A-D841-9A43-F49E88B6429E}"/>
+    <pc:docChg chg="undo redo custSel addSld delSld modSld">
+      <pc:chgData name="SONG, Qingyu" userId="498998f4-7f18-4549-a740-dcfb6e1e3d22" providerId="ADAL" clId="{0F84402B-494A-D841-9A43-F49E88B6429E}" dt="2022-01-20T01:06:45.773" v="90"/>
+      <pc:docMkLst>
+        <pc:docMk/>
+      </pc:docMkLst>
+      <pc:sldChg chg="addSp">
+        <pc:chgData name="SONG, Qingyu" userId="498998f4-7f18-4549-a740-dcfb6e1e3d22" providerId="ADAL" clId="{0F84402B-494A-D841-9A43-F49E88B6429E}" dt="2022-01-19T14:28:08.480" v="0"/>
+        <pc:sldMkLst>
+          <pc:docMk/>
+          <pc:sldMk cId="356419186" sldId="256"/>
+        </pc:sldMkLst>
+        <pc:picChg chg="add">
+          <ac:chgData name="SONG, Qingyu" userId="498998f4-7f18-4549-a740-dcfb6e1e3d22" providerId="ADAL" clId="{0F84402B-494A-D841-9A43-F49E88B6429E}" dt="2022-01-19T14:28:08.480" v="0"/>
+          <ac:picMkLst>
+            <pc:docMk/>
+            <pc:sldMk cId="356419186" sldId="256"/>
+            <ac:picMk id="6" creationId="{919BED88-AA1D-3144-ABB6-9C775BCC2765}"/>
+          </ac:picMkLst>
+        </pc:picChg>
+      </pc:sldChg>
+      <pc:sldChg chg="modSp mod">
+        <pc:chgData name="SONG, Qingyu" userId="498998f4-7f18-4549-a740-dcfb6e1e3d22" providerId="ADAL" clId="{0F84402B-494A-D841-9A43-F49E88B6429E}" dt="2022-01-19T14:28:15.459" v="2" actId="20577"/>
+        <pc:sldMkLst>
+          <pc:docMk/>
+          <pc:sldMk cId="1947847713" sldId="257"/>
+        </pc:sldMkLst>
+        <pc:spChg chg="mod">
+          <ac:chgData name="SONG, Qingyu" userId="498998f4-7f18-4549-a740-dcfb6e1e3d22" providerId="ADAL" clId="{0F84402B-494A-D841-9A43-F49E88B6429E}" dt="2022-01-19T14:28:15.459" v="2" actId="20577"/>
+          <ac:spMkLst>
+            <pc:docMk/>
+            <pc:sldMk cId="1947847713" sldId="257"/>
+            <ac:spMk id="3" creationId="{8F20472D-613F-3748-9CBD-88055CDB4B08}"/>
+          </ac:spMkLst>
+        </pc:spChg>
+      </pc:sldChg>
+      <pc:sldChg chg="modSp mod">
+        <pc:chgData name="SONG, Qingyu" userId="498998f4-7f18-4549-a740-dcfb6e1e3d22" providerId="ADAL" clId="{0F84402B-494A-D841-9A43-F49E88B6429E}" dt="2022-01-19T14:28:33.707" v="8" actId="20577"/>
+        <pc:sldMkLst>
+          <pc:docMk/>
+          <pc:sldMk cId="440415094" sldId="258"/>
+        </pc:sldMkLst>
+        <pc:spChg chg="mod">
+          <ac:chgData name="SONG, Qingyu" userId="498998f4-7f18-4549-a740-dcfb6e1e3d22" providerId="ADAL" clId="{0F84402B-494A-D841-9A43-F49E88B6429E}" dt="2022-01-19T14:28:33.707" v="8" actId="20577"/>
+          <ac:spMkLst>
+            <pc:docMk/>
+            <pc:sldMk cId="440415094" sldId="258"/>
+            <ac:spMk id="3" creationId="{8F20472D-613F-3748-9CBD-88055CDB4B08}"/>
+          </ac:spMkLst>
+        </pc:spChg>
+      </pc:sldChg>
+      <pc:sldChg chg="modSp mod">
+        <pc:chgData name="SONG, Qingyu" userId="498998f4-7f18-4549-a740-dcfb6e1e3d22" providerId="ADAL" clId="{0F84402B-494A-D841-9A43-F49E88B6429E}" dt="2022-01-19T14:52:36.846" v="53" actId="20577"/>
+        <pc:sldMkLst>
+          <pc:docMk/>
+          <pc:sldMk cId="746100141" sldId="274"/>
+        </pc:sldMkLst>
+        <pc:spChg chg="mod">
+          <ac:chgData name="SONG, Qingyu" userId="498998f4-7f18-4549-a740-dcfb6e1e3d22" providerId="ADAL" clId="{0F84402B-494A-D841-9A43-F49E88B6429E}" dt="2022-01-19T14:30:51.589" v="9" actId="20577"/>
+          <ac:spMkLst>
+            <pc:docMk/>
+            <pc:sldMk cId="746100141" sldId="274"/>
+            <ac:spMk id="2" creationId="{45C79BA1-37A3-5741-B0A1-E64646E4283C}"/>
+          </ac:spMkLst>
+        </pc:spChg>
+        <pc:spChg chg="mod">
+          <ac:chgData name="SONG, Qingyu" userId="498998f4-7f18-4549-a740-dcfb6e1e3d22" providerId="ADAL" clId="{0F84402B-494A-D841-9A43-F49E88B6429E}" dt="2022-01-19T14:52:36.846" v="53" actId="20577"/>
+          <ac:spMkLst>
+            <pc:docMk/>
+            <pc:sldMk cId="746100141" sldId="274"/>
+            <ac:spMk id="3" creationId="{8F20472D-613F-3748-9CBD-88055CDB4B08}"/>
+          </ac:spMkLst>
+        </pc:spChg>
+      </pc:sldChg>
+      <pc:sldChg chg="modSp mod modAnim">
+        <pc:chgData name="SONG, Qingyu" userId="498998f4-7f18-4549-a740-dcfb6e1e3d22" providerId="ADAL" clId="{0F84402B-494A-D841-9A43-F49E88B6429E}" dt="2022-01-19T14:53:09.710" v="57" actId="20577"/>
+        <pc:sldMkLst>
+          <pc:docMk/>
+          <pc:sldMk cId="442365464" sldId="275"/>
+        </pc:sldMkLst>
+        <pc:spChg chg="mod">
+          <ac:chgData name="SONG, Qingyu" userId="498998f4-7f18-4549-a740-dcfb6e1e3d22" providerId="ADAL" clId="{0F84402B-494A-D841-9A43-F49E88B6429E}" dt="2022-01-19T14:30:56.113" v="10"/>
+          <ac:spMkLst>
+            <pc:docMk/>
+            <pc:sldMk cId="442365464" sldId="275"/>
+            <ac:spMk id="2" creationId="{45C79BA1-37A3-5741-B0A1-E64646E4283C}"/>
+          </ac:spMkLst>
+        </pc:spChg>
+        <pc:spChg chg="mod">
+          <ac:chgData name="SONG, Qingyu" userId="498998f4-7f18-4549-a740-dcfb6e1e3d22" providerId="ADAL" clId="{0F84402B-494A-D841-9A43-F49E88B6429E}" dt="2022-01-19T14:53:09.710" v="57" actId="20577"/>
+          <ac:spMkLst>
+            <pc:docMk/>
+            <pc:sldMk cId="442365464" sldId="275"/>
+            <ac:spMk id="3" creationId="{8F20472D-613F-3748-9CBD-88055CDB4B08}"/>
+          </ac:spMkLst>
+        </pc:spChg>
+        <pc:spChg chg="mod">
+          <ac:chgData name="SONG, Qingyu" userId="498998f4-7f18-4549-a740-dcfb6e1e3d22" providerId="ADAL" clId="{0F84402B-494A-D841-9A43-F49E88B6429E}" dt="2022-01-19T14:52:30.806" v="49" actId="1036"/>
+          <ac:spMkLst>
+            <pc:docMk/>
+            <pc:sldMk cId="442365464" sldId="275"/>
+            <ac:spMk id="7" creationId="{B4F2FCAB-565E-4178-BECE-B014B8B03F74}"/>
+          </ac:spMkLst>
+        </pc:spChg>
+      </pc:sldChg>
+      <pc:sldChg chg="modSp del">
+        <pc:chgData name="SONG, Qingyu" userId="498998f4-7f18-4549-a740-dcfb6e1e3d22" providerId="ADAL" clId="{0F84402B-494A-D841-9A43-F49E88B6429E}" dt="2022-01-19T14:53:04.928" v="55" actId="2696"/>
+        <pc:sldMkLst>
+          <pc:docMk/>
+          <pc:sldMk cId="3494430642" sldId="276"/>
+        </pc:sldMkLst>
+        <pc:spChg chg="mod">
+          <ac:chgData name="SONG, Qingyu" userId="498998f4-7f18-4549-a740-dcfb6e1e3d22" providerId="ADAL" clId="{0F84402B-494A-D841-9A43-F49E88B6429E}" dt="2022-01-19T14:31:04.578" v="12"/>
+          <ac:spMkLst>
+            <pc:docMk/>
+            <pc:sldMk cId="3494430642" sldId="276"/>
+            <ac:spMk id="2" creationId="{45C79BA1-37A3-5741-B0A1-E64646E4283C}"/>
+          </ac:spMkLst>
+        </pc:spChg>
+      </pc:sldChg>
+      <pc:sldChg chg="modSp mod">
+        <pc:chgData name="SONG, Qingyu" userId="498998f4-7f18-4549-a740-dcfb6e1e3d22" providerId="ADAL" clId="{0F84402B-494A-D841-9A43-F49E88B6429E}" dt="2022-01-20T01:06:31.128" v="89" actId="20577"/>
+        <pc:sldMkLst>
+          <pc:docMk/>
+          <pc:sldMk cId="4278079293" sldId="277"/>
+        </pc:sldMkLst>
+        <pc:spChg chg="mod">
+          <ac:chgData name="SONG, Qingyu" userId="498998f4-7f18-4549-a740-dcfb6e1e3d22" providerId="ADAL" clId="{0F84402B-494A-D841-9A43-F49E88B6429E}" dt="2022-01-19T14:31:06.498" v="13" actId="20577"/>
+          <ac:spMkLst>
+            <pc:docMk/>
+            <pc:sldMk cId="4278079293" sldId="277"/>
+            <ac:spMk id="2" creationId="{45C79BA1-37A3-5741-B0A1-E64646E4283C}"/>
+          </ac:spMkLst>
+        </pc:spChg>
+        <pc:spChg chg="mod">
+          <ac:chgData name="SONG, Qingyu" userId="498998f4-7f18-4549-a740-dcfb6e1e3d22" providerId="ADAL" clId="{0F84402B-494A-D841-9A43-F49E88B6429E}" dt="2022-01-20T01:06:31.128" v="89" actId="20577"/>
+          <ac:spMkLst>
+            <pc:docMk/>
+            <pc:sldMk cId="4278079293" sldId="277"/>
+            <ac:spMk id="3" creationId="{8F20472D-613F-3748-9CBD-88055CDB4B08}"/>
+          </ac:spMkLst>
+        </pc:spChg>
+      </pc:sldChg>
+      <pc:sldChg chg="modSp">
+        <pc:chgData name="SONG, Qingyu" userId="498998f4-7f18-4549-a740-dcfb6e1e3d22" providerId="ADAL" clId="{0F84402B-494A-D841-9A43-F49E88B6429E}" dt="2022-01-19T14:31:13.089" v="14"/>
+        <pc:sldMkLst>
+          <pc:docMk/>
+          <pc:sldMk cId="3882663473" sldId="278"/>
+        </pc:sldMkLst>
+        <pc:spChg chg="mod">
+          <ac:chgData name="SONG, Qingyu" userId="498998f4-7f18-4549-a740-dcfb6e1e3d22" providerId="ADAL" clId="{0F84402B-494A-D841-9A43-F49E88B6429E}" dt="2022-01-19T14:31:13.089" v="14"/>
+          <ac:spMkLst>
+            <pc:docMk/>
+            <pc:sldMk cId="3882663473" sldId="278"/>
+            <ac:spMk id="2" creationId="{45C79BA1-37A3-5741-B0A1-E64646E4283C}"/>
+          </ac:spMkLst>
+        </pc:spChg>
+      </pc:sldChg>
+      <pc:sldChg chg="modSp mod">
+        <pc:chgData name="SONG, Qingyu" userId="498998f4-7f18-4549-a740-dcfb6e1e3d22" providerId="ADAL" clId="{0F84402B-494A-D841-9A43-F49E88B6429E}" dt="2022-01-20T01:06:45.773" v="90"/>
+        <pc:sldMkLst>
+          <pc:docMk/>
+          <pc:sldMk cId="3927078520" sldId="279"/>
+        </pc:sldMkLst>
+        <pc:spChg chg="mod">
+          <ac:chgData name="SONG, Qingyu" userId="498998f4-7f18-4549-a740-dcfb6e1e3d22" providerId="ADAL" clId="{0F84402B-494A-D841-9A43-F49E88B6429E}" dt="2022-01-19T14:31:16.215" v="15"/>
+          <ac:spMkLst>
+            <pc:docMk/>
+            <pc:sldMk cId="3927078520" sldId="279"/>
+            <ac:spMk id="2" creationId="{45C79BA1-37A3-5741-B0A1-E64646E4283C}"/>
+          </ac:spMkLst>
+        </pc:spChg>
+        <pc:spChg chg="mod">
+          <ac:chgData name="SONG, Qingyu" userId="498998f4-7f18-4549-a740-dcfb6e1e3d22" providerId="ADAL" clId="{0F84402B-494A-D841-9A43-F49E88B6429E}" dt="2022-01-20T01:06:45.773" v="90"/>
+          <ac:spMkLst>
+            <pc:docMk/>
+            <pc:sldMk cId="3927078520" sldId="279"/>
+            <ac:spMk id="3" creationId="{8F20472D-613F-3748-9CBD-88055CDB4B08}"/>
+          </ac:spMkLst>
+        </pc:spChg>
+      </pc:sldChg>
+      <pc:sldChg chg="modSp">
+        <pc:chgData name="SONG, Qingyu" userId="498998f4-7f18-4549-a740-dcfb6e1e3d22" providerId="ADAL" clId="{0F84402B-494A-D841-9A43-F49E88B6429E}" dt="2022-01-19T14:31:20.046" v="16"/>
+        <pc:sldMkLst>
+          <pc:docMk/>
+          <pc:sldMk cId="1261831385" sldId="280"/>
+        </pc:sldMkLst>
+        <pc:spChg chg="mod">
+          <ac:chgData name="SONG, Qingyu" userId="498998f4-7f18-4549-a740-dcfb6e1e3d22" providerId="ADAL" clId="{0F84402B-494A-D841-9A43-F49E88B6429E}" dt="2022-01-19T14:31:20.046" v="16"/>
+          <ac:spMkLst>
+            <pc:docMk/>
+            <pc:sldMk cId="1261831385" sldId="280"/>
+            <ac:spMk id="2" creationId="{45C79BA1-37A3-5741-B0A1-E64646E4283C}"/>
+          </ac:spMkLst>
+        </pc:spChg>
+      </pc:sldChg>
+      <pc:sldChg chg="modSp add mod">
+        <pc:chgData name="SONG, Qingyu" userId="498998f4-7f18-4549-a740-dcfb6e1e3d22" providerId="ADAL" clId="{0F84402B-494A-D841-9A43-F49E88B6429E}" dt="2022-01-19T14:55:18" v="62" actId="20577"/>
+        <pc:sldMkLst>
+          <pc:docMk/>
+          <pc:sldMk cId="11664182" sldId="281"/>
+        </pc:sldMkLst>
+        <pc:spChg chg="mod">
+          <ac:chgData name="SONG, Qingyu" userId="498998f4-7f18-4549-a740-dcfb6e1e3d22" providerId="ADAL" clId="{0F84402B-494A-D841-9A43-F49E88B6429E}" dt="2022-01-19T14:55:18" v="62" actId="20577"/>
+          <ac:spMkLst>
+            <pc:docMk/>
+            <pc:sldMk cId="11664182" sldId="281"/>
+            <ac:spMk id="3" creationId="{8F20472D-613F-3748-9CBD-88055CDB4B08}"/>
+          </ac:spMkLst>
+        </pc:spChg>
+      </pc:sldChg>
+    </pc:docChg>
+  </pc:docChgLst>
+  <pc:docChgLst>
+    <pc:chgData name="DING, Wenlong" userId="2462c282-915a-45d3-817d-b87203e0e2e0" providerId="ADAL" clId="{6FD17247-E81F-7949-B4C6-FEEA5B59708B}"/>
+    <pc:docChg chg="undo custSel addSld delSld modSld sldOrd">
+      <pc:chgData name="DING, Wenlong" userId="2462c282-915a-45d3-817d-b87203e0e2e0" providerId="ADAL" clId="{6FD17247-E81F-7949-B4C6-FEEA5B59708B}" dt="2023-11-08T06:59:42.737" v="1839" actId="1076"/>
+      <pc:docMkLst>
+        <pc:docMk/>
+      </pc:docMkLst>
+      <pc:sldChg chg="modSp mod">
+        <pc:chgData name="DING, Wenlong" userId="2462c282-915a-45d3-817d-b87203e0e2e0" providerId="ADAL" clId="{6FD17247-E81F-7949-B4C6-FEEA5B59708B}" dt="2023-11-08T06:35:23.733" v="1744" actId="20577"/>
+        <pc:sldMkLst>
+          <pc:docMk/>
+          <pc:sldMk cId="356419186" sldId="256"/>
+        </pc:sldMkLst>
+        <pc:spChg chg="mod">
+          <ac:chgData name="DING, Wenlong" userId="2462c282-915a-45d3-817d-b87203e0e2e0" providerId="ADAL" clId="{6FD17247-E81F-7949-B4C6-FEEA5B59708B}" dt="2023-11-07T12:14:43.175" v="10" actId="20577"/>
+          <ac:spMkLst>
+            <pc:docMk/>
+            <pc:sldMk cId="356419186" sldId="256"/>
+            <ac:spMk id="2" creationId="{37E55C1B-43BC-8B40-A7BE-D3C3F3D8A40E}"/>
+          </ac:spMkLst>
+        </pc:spChg>
+        <pc:spChg chg="mod">
+          <ac:chgData name="DING, Wenlong" userId="2462c282-915a-45d3-817d-b87203e0e2e0" providerId="ADAL" clId="{6FD17247-E81F-7949-B4C6-FEEA5B59708B}" dt="2023-11-08T06:35:23.733" v="1744" actId="20577"/>
+          <ac:spMkLst>
+            <pc:docMk/>
+            <pc:sldMk cId="356419186" sldId="256"/>
+            <ac:spMk id="3" creationId="{6CEAD46B-2981-B54E-B7BD-5B165BCFE3E7}"/>
+          </ac:spMkLst>
+        </pc:spChg>
+      </pc:sldChg>
+      <pc:sldChg chg="modSp mod">
+        <pc:chgData name="DING, Wenlong" userId="2462c282-915a-45d3-817d-b87203e0e2e0" providerId="ADAL" clId="{6FD17247-E81F-7949-B4C6-FEEA5B59708B}" dt="2023-11-07T13:41:32.939" v="1721" actId="1076"/>
+        <pc:sldMkLst>
+          <pc:docMk/>
+          <pc:sldMk cId="1947847713" sldId="257"/>
+        </pc:sldMkLst>
+        <pc:spChg chg="mod">
+          <ac:chgData name="DING, Wenlong" userId="2462c282-915a-45d3-817d-b87203e0e2e0" providerId="ADAL" clId="{6FD17247-E81F-7949-B4C6-FEEA5B59708B}" dt="2023-11-07T13:41:32.939" v="1721" actId="1076"/>
+          <ac:spMkLst>
+            <pc:docMk/>
+            <pc:sldMk cId="1947847713" sldId="257"/>
+            <ac:spMk id="3" creationId="{8F20472D-613F-3748-9CBD-88055CDB4B08}"/>
+          </ac:spMkLst>
+        </pc:spChg>
+      </pc:sldChg>
+      <pc:sldChg chg="addSp modSp mod">
+        <pc:chgData name="DING, Wenlong" userId="2462c282-915a-45d3-817d-b87203e0e2e0" providerId="ADAL" clId="{6FD17247-E81F-7949-B4C6-FEEA5B59708B}" dt="2023-11-08T06:59:42.737" v="1839" actId="1076"/>
+        <pc:sldMkLst>
+          <pc:docMk/>
+          <pc:sldMk cId="2292626886" sldId="293"/>
+        </pc:sldMkLst>
+        <pc:spChg chg="mod">
+          <ac:chgData name="DING, Wenlong" userId="2462c282-915a-45d3-817d-b87203e0e2e0" providerId="ADAL" clId="{6FD17247-E81F-7949-B4C6-FEEA5B59708B}" dt="2023-11-08T06:59:07.888" v="1835" actId="1076"/>
+          <ac:spMkLst>
+            <pc:docMk/>
+            <pc:sldMk cId="2292626886" sldId="293"/>
+            <ac:spMk id="2" creationId="{8D7A4BFD-FF2E-4FE5-8458-67338C96BAF4}"/>
+          </ac:spMkLst>
+        </pc:spChg>
+        <pc:spChg chg="mod">
+          <ac:chgData name="DING, Wenlong" userId="2462c282-915a-45d3-817d-b87203e0e2e0" providerId="ADAL" clId="{6FD17247-E81F-7949-B4C6-FEEA5B59708B}" dt="2023-11-08T06:59:05.376" v="1834" actId="1076"/>
+          <ac:spMkLst>
+            <pc:docMk/>
+            <pc:sldMk cId="2292626886" sldId="293"/>
+            <ac:spMk id="3" creationId="{41C77E84-359B-B990-B568-A3302507241B}"/>
+          </ac:spMkLst>
+        </pc:spChg>
+        <pc:spChg chg="add mod">
+          <ac:chgData name="DING, Wenlong" userId="2462c282-915a-45d3-817d-b87203e0e2e0" providerId="ADAL" clId="{6FD17247-E81F-7949-B4C6-FEEA5B59708B}" dt="2023-11-08T06:59:09.691" v="1836" actId="1076"/>
+          <ac:spMkLst>
+            <pc:docMk/>
+            <pc:sldMk cId="2292626886" sldId="293"/>
+            <ac:spMk id="4" creationId="{C81EC202-5887-D163-A62A-3C0264C98434}"/>
+          </ac:spMkLst>
+        </pc:spChg>
+        <pc:spChg chg="add mod">
+          <ac:chgData name="DING, Wenlong" userId="2462c282-915a-45d3-817d-b87203e0e2e0" providerId="ADAL" clId="{6FD17247-E81F-7949-B4C6-FEEA5B59708B}" dt="2023-11-08T06:59:42.737" v="1839" actId="1076"/>
+          <ac:spMkLst>
+            <pc:docMk/>
+            <pc:sldMk cId="2292626886" sldId="293"/>
+            <ac:spMk id="5" creationId="{E8F71926-39FF-3A84-7BE0-15AD94B7F033}"/>
+          </ac:spMkLst>
+        </pc:spChg>
+      </pc:sldChg>
+      <pc:sldChg chg="addSp delSp modSp add mod">
+        <pc:chgData name="DING, Wenlong" userId="2462c282-915a-45d3-817d-b87203e0e2e0" providerId="ADAL" clId="{6FD17247-E81F-7949-B4C6-FEEA5B59708B}" dt="2023-11-07T12:53:49.078" v="1002" actId="20577"/>
+        <pc:sldMkLst>
+          <pc:docMk/>
+          <pc:sldMk cId="3039411878" sldId="294"/>
+        </pc:sldMkLst>
+        <pc:spChg chg="mod">
+          <ac:chgData name="DING, Wenlong" userId="2462c282-915a-45d3-817d-b87203e0e2e0" providerId="ADAL" clId="{6FD17247-E81F-7949-B4C6-FEEA5B59708B}" dt="2023-11-07T12:53:49.078" v="1002" actId="20577"/>
+          <ac:spMkLst>
+            <pc:docMk/>
+            <pc:sldMk cId="3039411878" sldId="294"/>
+            <ac:spMk id="2" creationId="{6BBEA3AE-E29F-6D3D-CADA-51EE73C22525}"/>
+          </ac:spMkLst>
+        </pc:spChg>
+        <pc:spChg chg="mod">
+          <ac:chgData name="DING, Wenlong" userId="2462c282-915a-45d3-817d-b87203e0e2e0" providerId="ADAL" clId="{6FD17247-E81F-7949-B4C6-FEEA5B59708B}" dt="2023-11-07T12:25:54.614" v="97" actId="20577"/>
+          <ac:spMkLst>
+            <pc:docMk/>
+            <pc:sldMk cId="3039411878" sldId="294"/>
+            <ac:spMk id="6" creationId="{118CA799-E4E9-A1C8-5C60-A3F3D99D600E}"/>
+          </ac:spMkLst>
+        </pc:spChg>
+        <pc:spChg chg="add mod">
+          <ac:chgData name="DING, Wenlong" userId="2462c282-915a-45d3-817d-b87203e0e2e0" providerId="ADAL" clId="{6FD17247-E81F-7949-B4C6-FEEA5B59708B}" dt="2023-11-07T12:50:19.956" v="873" actId="20577"/>
+          <ac:spMkLst>
+            <pc:docMk/>
+            <pc:sldMk cId="3039411878" sldId="294"/>
+            <ac:spMk id="10" creationId="{C42CD552-6A01-6C36-E0A6-339E823DF108}"/>
+          </ac:spMkLst>
+        </pc:spChg>
+        <pc:picChg chg="del">
+          <ac:chgData name="DING, Wenlong" userId="2462c282-915a-45d3-817d-b87203e0e2e0" providerId="ADAL" clId="{6FD17247-E81F-7949-B4C6-FEEA5B59708B}" dt="2023-11-07T12:32:50.655" v="101" actId="478"/>
+          <ac:picMkLst>
+            <pc:docMk/>
+            <pc:sldMk cId="3039411878" sldId="294"/>
+            <ac:picMk id="4" creationId="{A28F95AA-248A-0A12-F081-D8214799A8DB}"/>
+          </ac:picMkLst>
+        </pc:picChg>
+        <pc:picChg chg="add del mod">
+          <ac:chgData name="DING, Wenlong" userId="2462c282-915a-45d3-817d-b87203e0e2e0" providerId="ADAL" clId="{6FD17247-E81F-7949-B4C6-FEEA5B59708B}" dt="2023-11-07T12:41:02.064" v="535" actId="478"/>
+          <ac:picMkLst>
+            <pc:docMk/>
+            <pc:sldMk cId="3039411878" sldId="294"/>
+            <ac:picMk id="5" creationId="{682F6374-A646-0510-BB0F-373ED9D03972}"/>
+          </ac:picMkLst>
+        </pc:picChg>
+        <pc:picChg chg="add mod">
+          <ac:chgData name="DING, Wenlong" userId="2462c282-915a-45d3-817d-b87203e0e2e0" providerId="ADAL" clId="{6FD17247-E81F-7949-B4C6-FEEA5B59708B}" dt="2023-11-07T12:41:42.939" v="537" actId="1076"/>
+          <ac:picMkLst>
+            <pc:docMk/>
+            <pc:sldMk cId="3039411878" sldId="294"/>
+            <ac:picMk id="8" creationId="{217E9DB2-7E9C-F291-667B-A341651123EC}"/>
+          </ac:picMkLst>
+        </pc:picChg>
+      </pc:sldChg>
+      <pc:sldChg chg="addSp delSp modSp add mod">
+        <pc:chgData name="DING, Wenlong" userId="2462c282-915a-45d3-817d-b87203e0e2e0" providerId="ADAL" clId="{6FD17247-E81F-7949-B4C6-FEEA5B59708B}" dt="2023-11-07T14:09:37.586" v="1736" actId="1076"/>
+        <pc:sldMkLst>
+          <pc:docMk/>
+          <pc:sldMk cId="3381083490" sldId="295"/>
+        </pc:sldMkLst>
+        <pc:spChg chg="del mod">
+          <ac:chgData name="DING, Wenlong" userId="2462c282-915a-45d3-817d-b87203e0e2e0" providerId="ADAL" clId="{6FD17247-E81F-7949-B4C6-FEEA5B59708B}" dt="2023-11-07T13:39:24.825" v="1506" actId="478"/>
+          <ac:spMkLst>
+            <pc:docMk/>
+            <pc:sldMk cId="3381083490" sldId="295"/>
+            <ac:spMk id="2" creationId="{6BBEA3AE-E29F-6D3D-CADA-51EE73C22525}"/>
+          </ac:spMkLst>
+        </pc:spChg>
+        <pc:spChg chg="add del mod">
+          <ac:chgData name="DING, Wenlong" userId="2462c282-915a-45d3-817d-b87203e0e2e0" providerId="ADAL" clId="{6FD17247-E81F-7949-B4C6-FEEA5B59708B}" dt="2023-11-07T12:58:22.381" v="1133"/>
+          <ac:spMkLst>
+            <pc:docMk/>
+            <pc:sldMk cId="3381083490" sldId="295"/>
+            <ac:spMk id="3" creationId="{BA94F1A7-C675-BF3B-6C4A-51D0EB0B5477}"/>
+          </ac:spMkLst>
+        </pc:spChg>
+        <pc:spChg chg="add mod">
+          <ac:chgData name="DING, Wenlong" userId="2462c282-915a-45d3-817d-b87203e0e2e0" providerId="ADAL" clId="{6FD17247-E81F-7949-B4C6-FEEA5B59708B}" dt="2023-11-07T14:09:32.231" v="1735" actId="20577"/>
+          <ac:spMkLst>
+            <pc:docMk/>
+            <pc:sldMk cId="3381083490" sldId="295"/>
+            <ac:spMk id="4" creationId="{62BE979B-4417-8652-D250-5A071E52153F}"/>
+          </ac:spMkLst>
+        </pc:spChg>
+        <pc:spChg chg="mod">
+          <ac:chgData name="DING, Wenlong" userId="2462c282-915a-45d3-817d-b87203e0e2e0" providerId="ADAL" clId="{6FD17247-E81F-7949-B4C6-FEEA5B59708B}" dt="2023-11-07T12:43:53.904" v="648" actId="20577"/>
+          <ac:spMkLst>
+            <pc:docMk/>
+            <pc:sldMk cId="3381083490" sldId="295"/>
+            <ac:spMk id="6" creationId="{118CA799-E4E9-A1C8-5C60-A3F3D99D600E}"/>
+          </ac:spMkLst>
+        </pc:spChg>
+        <pc:spChg chg="del mod">
+          <ac:chgData name="DING, Wenlong" userId="2462c282-915a-45d3-817d-b87203e0e2e0" providerId="ADAL" clId="{6FD17247-E81F-7949-B4C6-FEEA5B59708B}" dt="2023-11-07T12:55:42.098" v="1114"/>
+          <ac:spMkLst>
+            <pc:docMk/>
+            <pc:sldMk cId="3381083490" sldId="295"/>
+            <ac:spMk id="10" creationId="{C42CD552-6A01-6C36-E0A6-339E823DF108}"/>
+          </ac:spMkLst>
+        </pc:spChg>
+        <pc:picChg chg="add del mod">
+          <ac:chgData name="DING, Wenlong" userId="2462c282-915a-45d3-817d-b87203e0e2e0" providerId="ADAL" clId="{6FD17247-E81F-7949-B4C6-FEEA5B59708B}" dt="2023-11-07T14:09:16.932" v="1727" actId="478"/>
+          <ac:picMkLst>
+            <pc:docMk/>
+            <pc:sldMk cId="3381083490" sldId="295"/>
+            <ac:picMk id="5" creationId="{717AAA7B-D28B-19D8-C1D5-D8354CA6DF2C}"/>
+          </ac:picMkLst>
+        </pc:picChg>
+        <pc:picChg chg="add mod">
+          <ac:chgData name="DING, Wenlong" userId="2462c282-915a-45d3-817d-b87203e0e2e0" providerId="ADAL" clId="{6FD17247-E81F-7949-B4C6-FEEA5B59708B}" dt="2023-11-07T14:09:37.586" v="1736" actId="1076"/>
+          <ac:picMkLst>
+            <pc:docMk/>
+            <pc:sldMk cId="3381083490" sldId="295"/>
+            <ac:picMk id="7" creationId="{92C8BEAC-D390-4010-9BB1-AE36DC6D2AA2}"/>
+          </ac:picMkLst>
+        </pc:picChg>
+        <pc:picChg chg="del">
+          <ac:chgData name="DING, Wenlong" userId="2462c282-915a-45d3-817d-b87203e0e2e0" providerId="ADAL" clId="{6FD17247-E81F-7949-B4C6-FEEA5B59708B}" dt="2023-11-07T12:55:20.498" v="1091" actId="478"/>
+          <ac:picMkLst>
+            <pc:docMk/>
+            <pc:sldMk cId="3381083490" sldId="295"/>
+            <ac:picMk id="8" creationId="{217E9DB2-7E9C-F291-667B-A341651123EC}"/>
+          </ac:picMkLst>
+        </pc:picChg>
+      </pc:sldChg>
+      <pc:sldChg chg="addSp delSp modSp add mod ord">
+        <pc:chgData name="DING, Wenlong" userId="2462c282-915a-45d3-817d-b87203e0e2e0" providerId="ADAL" clId="{6FD17247-E81F-7949-B4C6-FEEA5B59708B}" dt="2023-11-07T14:09:55.341" v="1740" actId="1076"/>
+        <pc:sldMkLst>
+          <pc:docMk/>
+          <pc:sldMk cId="2015864520" sldId="296"/>
+        </pc:sldMkLst>
+        <pc:spChg chg="mod">
+          <ac:chgData name="DING, Wenlong" userId="2462c282-915a-45d3-817d-b87203e0e2e0" providerId="ADAL" clId="{6FD17247-E81F-7949-B4C6-FEEA5B59708B}" dt="2023-11-07T13:39:09.317" v="1505" actId="20577"/>
+          <ac:spMkLst>
+            <pc:docMk/>
+            <pc:sldMk cId="2015864520" sldId="296"/>
+            <ac:spMk id="2" creationId="{6BBEA3AE-E29F-6D3D-CADA-51EE73C22525}"/>
+          </ac:spMkLst>
+        </pc:spChg>
+        <pc:spChg chg="mod">
+          <ac:chgData name="DING, Wenlong" userId="2462c282-915a-45d3-817d-b87203e0e2e0" providerId="ADAL" clId="{6FD17247-E81F-7949-B4C6-FEEA5B59708B}" dt="2023-11-07T12:44:04.336" v="667" actId="20577"/>
+          <ac:spMkLst>
+            <pc:docMk/>
+            <pc:sldMk cId="2015864520" sldId="296"/>
+            <ac:spMk id="6" creationId="{118CA799-E4E9-A1C8-5C60-A3F3D99D600E}"/>
+          </ac:spMkLst>
+        </pc:spChg>
+        <pc:spChg chg="del mod">
+          <ac:chgData name="DING, Wenlong" userId="2462c282-915a-45d3-817d-b87203e0e2e0" providerId="ADAL" clId="{6FD17247-E81F-7949-B4C6-FEEA5B59708B}" dt="2023-11-07T13:28:05.251" v="1207" actId="478"/>
+          <ac:spMkLst>
+            <pc:docMk/>
+            <pc:sldMk cId="2015864520" sldId="296"/>
+            <ac:spMk id="10" creationId="{C42CD552-6A01-6C36-E0A6-339E823DF108}"/>
+          </ac:spMkLst>
+        </pc:spChg>
+        <pc:picChg chg="add mod">
+          <ac:chgData name="DING, Wenlong" userId="2462c282-915a-45d3-817d-b87203e0e2e0" providerId="ADAL" clId="{6FD17247-E81F-7949-B4C6-FEEA5B59708B}" dt="2023-11-07T14:09:55.341" v="1740" actId="1076"/>
+          <ac:picMkLst>
+            <pc:docMk/>
+            <pc:sldMk cId="2015864520" sldId="296"/>
+            <ac:picMk id="3" creationId="{27AB3FA0-C74D-029A-D211-5050FB3B1783}"/>
+          </ac:picMkLst>
+        </pc:picChg>
+        <pc:picChg chg="del">
+          <ac:chgData name="DING, Wenlong" userId="2462c282-915a-45d3-817d-b87203e0e2e0" providerId="ADAL" clId="{6FD17247-E81F-7949-B4C6-FEEA5B59708B}" dt="2023-11-07T13:28:06.967" v="1208" actId="478"/>
+          <ac:picMkLst>
+            <pc:docMk/>
+            <pc:sldMk cId="2015864520" sldId="296"/>
+            <ac:picMk id="8" creationId="{217E9DB2-7E9C-F291-667B-A341651123EC}"/>
+          </ac:picMkLst>
+        </pc:picChg>
+      </pc:sldChg>
+      <pc:sldChg chg="addSp delSp modSp add mod">
+        <pc:chgData name="DING, Wenlong" userId="2462c282-915a-45d3-817d-b87203e0e2e0" providerId="ADAL" clId="{6FD17247-E81F-7949-B4C6-FEEA5B59708B}" dt="2023-11-07T12:55:09.462" v="1090" actId="20577"/>
+        <pc:sldMkLst>
+          <pc:docMk/>
+          <pc:sldMk cId="1229357586" sldId="297"/>
+        </pc:sldMkLst>
+        <pc:spChg chg="del">
+          <ac:chgData name="DING, Wenlong" userId="2462c282-915a-45d3-817d-b87203e0e2e0" providerId="ADAL" clId="{6FD17247-E81F-7949-B4C6-FEEA5B59708B}" dt="2023-11-07T12:47:41.289" v="676" actId="478"/>
+          <ac:spMkLst>
+            <pc:docMk/>
+            <pc:sldMk cId="1229357586" sldId="297"/>
+            <ac:spMk id="2" creationId="{6BBEA3AE-E29F-6D3D-CADA-51EE73C22525}"/>
+          </ac:spMkLst>
+        </pc:spChg>
+        <pc:spChg chg="mod">
+          <ac:chgData name="DING, Wenlong" userId="2462c282-915a-45d3-817d-b87203e0e2e0" providerId="ADAL" clId="{6FD17247-E81F-7949-B4C6-FEEA5B59708B}" dt="2023-11-07T12:55:09.462" v="1090" actId="20577"/>
+          <ac:spMkLst>
+            <pc:docMk/>
+            <pc:sldMk cId="1229357586" sldId="297"/>
+            <ac:spMk id="10" creationId="{C42CD552-6A01-6C36-E0A6-339E823DF108}"/>
+          </ac:spMkLst>
+        </pc:spChg>
+        <pc:picChg chg="add mod">
+          <ac:chgData name="DING, Wenlong" userId="2462c282-915a-45d3-817d-b87203e0e2e0" providerId="ADAL" clId="{6FD17247-E81F-7949-B4C6-FEEA5B59708B}" dt="2023-11-07T12:48:49.307" v="685" actId="1076"/>
+          <ac:picMkLst>
+            <pc:docMk/>
+            <pc:sldMk cId="1229357586" sldId="297"/>
+            <ac:picMk id="4" creationId="{534911D7-5051-CF57-2E5D-480182509674}"/>
+          </ac:picMkLst>
+        </pc:picChg>
+        <pc:picChg chg="add del mod">
+          <ac:chgData name="DING, Wenlong" userId="2462c282-915a-45d3-817d-b87203e0e2e0" providerId="ADAL" clId="{6FD17247-E81F-7949-B4C6-FEEA5B59708B}" dt="2023-11-07T12:48:56.526" v="687" actId="478"/>
+          <ac:picMkLst>
+            <pc:docMk/>
+            <pc:sldMk cId="1229357586" sldId="297"/>
+            <ac:picMk id="7" creationId="{A1A27F7A-1D11-0834-A085-D94BDBDBA4A4}"/>
+          </ac:picMkLst>
+        </pc:picChg>
+        <pc:picChg chg="del">
+          <ac:chgData name="DING, Wenlong" userId="2462c282-915a-45d3-817d-b87203e0e2e0" providerId="ADAL" clId="{6FD17247-E81F-7949-B4C6-FEEA5B59708B}" dt="2023-11-07T12:47:42.796" v="677" actId="478"/>
+          <ac:picMkLst>
+            <pc:docMk/>
+            <pc:sldMk cId="1229357586" sldId="297"/>
+            <ac:picMk id="8" creationId="{217E9DB2-7E9C-F291-667B-A341651123EC}"/>
+          </ac:picMkLst>
+        </pc:picChg>
+        <pc:picChg chg="add mod">
+          <ac:chgData name="DING, Wenlong" userId="2462c282-915a-45d3-817d-b87203e0e2e0" providerId="ADAL" clId="{6FD17247-E81F-7949-B4C6-FEEA5B59708B}" dt="2023-11-07T12:48:54.614" v="686" actId="571"/>
+          <ac:picMkLst>
+            <pc:docMk/>
+            <pc:sldMk cId="1229357586" sldId="297"/>
+            <ac:picMk id="9" creationId="{2881B423-32A0-70B2-CE11-7B99CD110D7F}"/>
+          </ac:picMkLst>
+        </pc:picChg>
+      </pc:sldChg>
+      <pc:sldChg chg="modSp add del mod">
+        <pc:chgData name="DING, Wenlong" userId="2462c282-915a-45d3-817d-b87203e0e2e0" providerId="ADAL" clId="{6FD17247-E81F-7949-B4C6-FEEA5B59708B}" dt="2023-11-08T06:57:02.401" v="1754" actId="2696"/>
+        <pc:sldMkLst>
+          <pc:docMk/>
+          <pc:sldMk cId="828139001" sldId="298"/>
+        </pc:sldMkLst>
+        <pc:spChg chg="mod">
+          <ac:chgData name="DING, Wenlong" userId="2462c282-915a-45d3-817d-b87203e0e2e0" providerId="ADAL" clId="{6FD17247-E81F-7949-B4C6-FEEA5B59708B}" dt="2023-11-08T06:56:50.092" v="1753" actId="1076"/>
+          <ac:spMkLst>
+            <pc:docMk/>
+            <pc:sldMk cId="828139001" sldId="298"/>
+            <ac:spMk id="3" creationId="{41C77E84-359B-B990-B568-A3302507241B}"/>
+          </ac:spMkLst>
+        </pc:spChg>
+      </pc:sldChg>
+    </pc:docChg>
+  </pc:docChgLst>
 </pc:chgInfo>
 </file>
 
@@ -5629,10 +5629,10 @@
       </p:sp>
       <p:pic>
         <p:nvPicPr>
-          <p:cNvPr id="3" name="图片 2">
+          <p:cNvPr id="4" name="图片 3">
             <a:extLst>
               <a:ext uri="{FF2B5EF4-FFF2-40B4-BE49-F238E27FC236}">
-                <a16:creationId xmlns:a16="http://schemas.microsoft.com/office/drawing/2014/main" id="{27AB3FA0-C74D-029A-D211-5050FB3B1783}"/>
+                <a16:creationId xmlns:a16="http://schemas.microsoft.com/office/drawing/2014/main" id="{8505655A-BCE4-BAE6-2171-9E575F69A10B}"/>
               </a:ext>
             </a:extLst>
           </p:cNvPr>
@@ -5649,8 +5649,8 @@
         </p:blipFill>
         <p:spPr>
           <a:xfrm>
-            <a:off x="1369540" y="3429000"/>
-            <a:ext cx="8731067" cy="3210697"/>
+            <a:off x="1442882" y="3404203"/>
+            <a:ext cx="8984227" cy="3303792"/>
           </a:xfrm>
           <a:prstGeom prst="rect">
             <a:avLst/>
@@ -9636,9 +9636,13 @@
             </a:r>
             <a:r>
               <a:rPr lang="en-US" altLang="zh-CN" sz="1800" dirty="0"/>
-              <a:t>packet to be expected just like TCP</a:t>
-            </a:r>
-            <a:endParaRPr lang="en-US" sz="1800" dirty="0"/>
+              <a:t>packet to be expected just like TCP </a:t>
+            </a:r>
+            <a:r>
+              <a:rPr lang="en-US" altLang="zh-CN" sz="1800" b="1" dirty="0"/>
+              <a:t>(base part)</a:t>
+            </a:r>
+            <a:endParaRPr lang="en-US" sz="1800" b="1" dirty="0"/>
           </a:p>
           <a:p>
             <a:pPr marL="1371600" lvl="2" indent="-310832">
